--- a/doc/Diversification_of _search_results_April_17.pptx
+++ b/doc/Diversification_of _search_results_April_17.pptx
@@ -18,12 +18,12 @@
     <p:sldId id="264" r:id="rId9"/>
     <p:sldId id="260" r:id="rId10"/>
     <p:sldId id="265" r:id="rId11"/>
-    <p:sldId id="266" r:id="rId12"/>
-    <p:sldId id="274" r:id="rId13"/>
-    <p:sldId id="275" r:id="rId14"/>
-    <p:sldId id="262" r:id="rId15"/>
-    <p:sldId id="271" r:id="rId16"/>
-    <p:sldId id="267" r:id="rId17"/>
+    <p:sldId id="271" r:id="rId12"/>
+    <p:sldId id="266" r:id="rId13"/>
+    <p:sldId id="274" r:id="rId14"/>
+    <p:sldId id="275" r:id="rId15"/>
+    <p:sldId id="276" r:id="rId16"/>
+    <p:sldId id="262" r:id="rId17"/>
     <p:sldId id="263" r:id="rId18"/>
     <p:sldId id="268" r:id="rId19"/>
     <p:sldId id="269" r:id="rId20"/>
@@ -1068,7 +1068,7 @@
             <a:fld id="{93F9E896-F85B-4354-A1CC-D2D59441015B}" type="slidenum">
               <a:rPr lang="en-US" smtClean="0"/>
               <a:pPr/>
-              <a:t>12</a:t>
+              <a:t>13</a:t>
             </a:fld>
             <a:endParaRPr lang="en-US"/>
           </a:p>
@@ -5752,7 +5752,155 @@
   <p:timing>
     <p:tnLst>
       <p:par>
-        <p:cTn id="1" dur="indefinite" restart="never" nodeType="tmRoot"/>
+        <p:cTn id="1" dur="indefinite" restart="never" nodeType="tmRoot">
+          <p:childTnLst>
+            <p:seq concurrent="1" nextAc="seek">
+              <p:cTn id="2" dur="indefinite" nodeType="mainSeq">
+                <p:childTnLst>
+                  <p:par>
+                    <p:cTn id="3" fill="hold">
+                      <p:stCondLst>
+                        <p:cond delay="indefinite"/>
+                      </p:stCondLst>
+                      <p:childTnLst>
+                        <p:par>
+                          <p:cTn id="4" fill="hold">
+                            <p:stCondLst>
+                              <p:cond delay="0"/>
+                            </p:stCondLst>
+                            <p:childTnLst>
+                              <p:par>
+                                <p:cTn id="5" presetID="1" presetClass="entr" presetSubtype="0" fill="hold" nodeType="clickEffect">
+                                  <p:stCondLst>
+                                    <p:cond delay="0"/>
+                                  </p:stCondLst>
+                                  <p:childTnLst>
+                                    <p:set>
+                                      <p:cBhvr>
+                                        <p:cTn id="6" dur="1" fill="hold">
+                                          <p:stCondLst>
+                                            <p:cond delay="0"/>
+                                          </p:stCondLst>
+                                        </p:cTn>
+                                        <p:tgtEl>
+                                          <p:spTgt spid="2">
+                                            <p:txEl>
+                                              <p:pRg st="0" end="0"/>
+                                            </p:txEl>
+                                          </p:spTgt>
+                                        </p:tgtEl>
+                                        <p:attrNameLst>
+                                          <p:attrName>style.visibility</p:attrName>
+                                        </p:attrNameLst>
+                                      </p:cBhvr>
+                                      <p:to>
+                                        <p:strVal val="visible"/>
+                                      </p:to>
+                                    </p:set>
+                                  </p:childTnLst>
+                                </p:cTn>
+                              </p:par>
+                            </p:childTnLst>
+                          </p:cTn>
+                        </p:par>
+                      </p:childTnLst>
+                    </p:cTn>
+                  </p:par>
+                  <p:par>
+                    <p:cTn id="7" fill="hold">
+                      <p:stCondLst>
+                        <p:cond delay="indefinite"/>
+                      </p:stCondLst>
+                      <p:childTnLst>
+                        <p:par>
+                          <p:cTn id="8" fill="hold">
+                            <p:stCondLst>
+                              <p:cond delay="0"/>
+                            </p:stCondLst>
+                            <p:childTnLst>
+                              <p:par>
+                                <p:cTn id="9" presetID="1" presetClass="entr" presetSubtype="0" fill="hold" nodeType="clickEffect">
+                                  <p:stCondLst>
+                                    <p:cond delay="0"/>
+                                  </p:stCondLst>
+                                  <p:childTnLst>
+                                    <p:set>
+                                      <p:cBhvr>
+                                        <p:cTn id="10" dur="1" fill="hold">
+                                          <p:stCondLst>
+                                            <p:cond delay="0"/>
+                                          </p:stCondLst>
+                                        </p:cTn>
+                                        <p:tgtEl>
+                                          <p:spTgt spid="2">
+                                            <p:txEl>
+                                              <p:pRg st="1" end="1"/>
+                                            </p:txEl>
+                                          </p:spTgt>
+                                        </p:tgtEl>
+                                        <p:attrNameLst>
+                                          <p:attrName>style.visibility</p:attrName>
+                                        </p:attrNameLst>
+                                      </p:cBhvr>
+                                      <p:to>
+                                        <p:strVal val="visible"/>
+                                      </p:to>
+                                    </p:set>
+                                  </p:childTnLst>
+                                </p:cTn>
+                              </p:par>
+                              <p:par>
+                                <p:cTn id="11" presetID="1" presetClass="entr" presetSubtype="0" fill="hold" nodeType="withEffect">
+                                  <p:stCondLst>
+                                    <p:cond delay="0"/>
+                                  </p:stCondLst>
+                                  <p:childTnLst>
+                                    <p:set>
+                                      <p:cBhvr>
+                                        <p:cTn id="12" dur="1" fill="hold">
+                                          <p:stCondLst>
+                                            <p:cond delay="0"/>
+                                          </p:stCondLst>
+                                        </p:cTn>
+                                        <p:tgtEl>
+                                          <p:spTgt spid="2051"/>
+                                        </p:tgtEl>
+                                        <p:attrNameLst>
+                                          <p:attrName>style.visibility</p:attrName>
+                                        </p:attrNameLst>
+                                      </p:cBhvr>
+                                      <p:to>
+                                        <p:strVal val="visible"/>
+                                      </p:to>
+                                    </p:set>
+                                  </p:childTnLst>
+                                </p:cTn>
+                              </p:par>
+                            </p:childTnLst>
+                          </p:cTn>
+                        </p:par>
+                      </p:childTnLst>
+                    </p:cTn>
+                  </p:par>
+                </p:childTnLst>
+              </p:cTn>
+              <p:prevCondLst>
+                <p:cond evt="onPrev" delay="0">
+                  <p:tgtEl>
+                    <p:sldTgt/>
+                  </p:tgtEl>
+                </p:cond>
+              </p:prevCondLst>
+              <p:nextCondLst>
+                <p:cond evt="onNext" delay="0">
+                  <p:tgtEl>
+                    <p:sldTgt/>
+                  </p:tgtEl>
+                </p:cond>
+              </p:nextCondLst>
+            </p:seq>
+          </p:childTnLst>
+        </p:cTn>
       </p:par>
     </p:tnLst>
   </p:timing>
@@ -5786,56 +5934,72 @@
             <p:ph idx="1"/>
           </p:nvPr>
         </p:nvSpPr>
-        <p:spPr/>
+        <p:spPr>
+          <a:xfrm>
+            <a:off x="628650" y="1825625"/>
+            <a:ext cx="7886700" cy="4346575"/>
+          </a:xfrm>
+        </p:spPr>
         <p:txBody>
-          <a:bodyPr/>
+          <a:bodyPr>
+            <a:noAutofit/>
+          </a:bodyPr>
           <a:lstStyle/>
           <a:p>
             <a:r>
-              <a:rPr lang="en-US" sz="2400" dirty="0" smtClean="0"/>
+              <a:rPr lang="en-US" sz="2450" dirty="0" smtClean="0"/>
+              <a:t>Generalizing to </a:t>
+            </a:r>
+            <a:r>
+              <a:rPr lang="en-US" sz="2450" dirty="0" smtClean="0"/>
+              <a:t>diversify </a:t>
+            </a:r>
+            <a:r>
+              <a:rPr lang="en-US" sz="2450" dirty="0" smtClean="0"/>
+              <a:t>search </a:t>
+            </a:r>
+            <a:r>
+              <a:rPr lang="en-US" sz="2450" dirty="0" smtClean="0"/>
+              <a:t>results</a:t>
+            </a:r>
+          </a:p>
+          <a:p>
+            <a:r>
+              <a:rPr lang="en-US" sz="2450" dirty="0" smtClean="0"/>
               <a:t>Use complete query when one can.</a:t>
             </a:r>
           </a:p>
           <a:p>
             <a:r>
-              <a:rPr lang="en-US" sz="2400" dirty="0" smtClean="0"/>
+              <a:rPr lang="en-US" sz="2450" dirty="0" smtClean="0"/>
               <a:t>Absence of result from steps 1 and 2 would mean:</a:t>
             </a:r>
           </a:p>
           <a:p>
             <a:pPr lvl="1"/>
             <a:r>
-              <a:rPr lang="en-US" sz="2000" dirty="0" smtClean="0"/>
+              <a:rPr lang="en-US" sz="2450" dirty="0" smtClean="0"/>
               <a:t>Query is unambiguous enough to be identified</a:t>
             </a:r>
           </a:p>
           <a:p>
             <a:pPr lvl="1"/>
             <a:r>
-              <a:rPr lang="en-US" sz="2000" dirty="0" smtClean="0"/>
+              <a:rPr lang="en-US" sz="2450" dirty="0" smtClean="0"/>
               <a:t>Query could not be recognized as a topic with subtopics</a:t>
             </a:r>
           </a:p>
           <a:p>
             <a:r>
-              <a:rPr lang="en-US" sz="2400" dirty="0" smtClean="0"/>
-              <a:t>Named Entity Recognition in Queries (NERQ)</a:t>
-            </a:r>
-          </a:p>
-          <a:p>
-            <a:r>
-              <a:rPr lang="en-US" dirty="0" smtClean="0"/>
-              <a:t>Traditional </a:t>
-            </a:r>
-            <a:r>
-              <a:rPr lang="en-US" dirty="0" smtClean="0"/>
-              <a:t>NER is not accurate due to loss of context</a:t>
-            </a:r>
-            <a:r>
-              <a:rPr lang="en-US" dirty="0" smtClean="0"/>
-              <a:t>.</a:t>
-            </a:r>
-            <a:endParaRPr lang="en-US" dirty="0" smtClean="0"/>
+              <a:rPr lang="en-US" sz="2450" dirty="0" smtClean="0"/>
+              <a:t>Make bigrams of the search query and search for category matches.</a:t>
+            </a:r>
+          </a:p>
+          <a:p>
+            <a:r>
+              <a:rPr lang="en-US" sz="2450" dirty="0" smtClean="0"/>
+              <a:t>Substitute matched bigram by broader categories</a:t>
+            </a:r>
           </a:p>
         </p:txBody>
       </p:sp>
@@ -5882,7 +6046,337 @@
   <p:timing>
     <p:tnLst>
       <p:par>
-        <p:cTn id="1" dur="indefinite" restart="never" nodeType="tmRoot"/>
+        <p:cTn id="1" dur="indefinite" restart="never" nodeType="tmRoot">
+          <p:childTnLst>
+            <p:seq concurrent="1" nextAc="seek">
+              <p:cTn id="2" dur="indefinite" nodeType="mainSeq">
+                <p:childTnLst>
+                  <p:par>
+                    <p:cTn id="3" fill="hold">
+                      <p:stCondLst>
+                        <p:cond delay="indefinite"/>
+                      </p:stCondLst>
+                      <p:childTnLst>
+                        <p:par>
+                          <p:cTn id="4" fill="hold">
+                            <p:stCondLst>
+                              <p:cond delay="0"/>
+                            </p:stCondLst>
+                            <p:childTnLst>
+                              <p:par>
+                                <p:cTn id="5" presetID="1" presetClass="entr" presetSubtype="0" fill="hold" nodeType="clickEffect">
+                                  <p:stCondLst>
+                                    <p:cond delay="0"/>
+                                  </p:stCondLst>
+                                  <p:childTnLst>
+                                    <p:set>
+                                      <p:cBhvr>
+                                        <p:cTn id="6" dur="1" fill="hold">
+                                          <p:stCondLst>
+                                            <p:cond delay="0"/>
+                                          </p:stCondLst>
+                                        </p:cTn>
+                                        <p:tgtEl>
+                                          <p:spTgt spid="2">
+                                            <p:txEl>
+                                              <p:pRg st="0" end="0"/>
+                                            </p:txEl>
+                                          </p:spTgt>
+                                        </p:tgtEl>
+                                        <p:attrNameLst>
+                                          <p:attrName>style.visibility</p:attrName>
+                                        </p:attrNameLst>
+                                      </p:cBhvr>
+                                      <p:to>
+                                        <p:strVal val="visible"/>
+                                      </p:to>
+                                    </p:set>
+                                  </p:childTnLst>
+                                </p:cTn>
+                              </p:par>
+                            </p:childTnLst>
+                          </p:cTn>
+                        </p:par>
+                      </p:childTnLst>
+                    </p:cTn>
+                  </p:par>
+                  <p:par>
+                    <p:cTn id="7" fill="hold">
+                      <p:stCondLst>
+                        <p:cond delay="indefinite"/>
+                      </p:stCondLst>
+                      <p:childTnLst>
+                        <p:par>
+                          <p:cTn id="8" fill="hold">
+                            <p:stCondLst>
+                              <p:cond delay="0"/>
+                            </p:stCondLst>
+                            <p:childTnLst>
+                              <p:par>
+                                <p:cTn id="9" presetID="1" presetClass="entr" presetSubtype="0" fill="hold" nodeType="clickEffect">
+                                  <p:stCondLst>
+                                    <p:cond delay="0"/>
+                                  </p:stCondLst>
+                                  <p:childTnLst>
+                                    <p:set>
+                                      <p:cBhvr>
+                                        <p:cTn id="10" dur="1" fill="hold">
+                                          <p:stCondLst>
+                                            <p:cond delay="0"/>
+                                          </p:stCondLst>
+                                        </p:cTn>
+                                        <p:tgtEl>
+                                          <p:spTgt spid="2">
+                                            <p:txEl>
+                                              <p:pRg st="1" end="1"/>
+                                            </p:txEl>
+                                          </p:spTgt>
+                                        </p:tgtEl>
+                                        <p:attrNameLst>
+                                          <p:attrName>style.visibility</p:attrName>
+                                        </p:attrNameLst>
+                                      </p:cBhvr>
+                                      <p:to>
+                                        <p:strVal val="visible"/>
+                                      </p:to>
+                                    </p:set>
+                                  </p:childTnLst>
+                                </p:cTn>
+                              </p:par>
+                            </p:childTnLst>
+                          </p:cTn>
+                        </p:par>
+                      </p:childTnLst>
+                    </p:cTn>
+                  </p:par>
+                  <p:par>
+                    <p:cTn id="11" fill="hold">
+                      <p:stCondLst>
+                        <p:cond delay="indefinite"/>
+                      </p:stCondLst>
+                      <p:childTnLst>
+                        <p:par>
+                          <p:cTn id="12" fill="hold">
+                            <p:stCondLst>
+                              <p:cond delay="0"/>
+                            </p:stCondLst>
+                            <p:childTnLst>
+                              <p:par>
+                                <p:cTn id="13" presetID="1" presetClass="entr" presetSubtype="0" fill="hold" nodeType="clickEffect">
+                                  <p:stCondLst>
+                                    <p:cond delay="0"/>
+                                  </p:stCondLst>
+                                  <p:childTnLst>
+                                    <p:set>
+                                      <p:cBhvr>
+                                        <p:cTn id="14" dur="1" fill="hold">
+                                          <p:stCondLst>
+                                            <p:cond delay="0"/>
+                                          </p:stCondLst>
+                                        </p:cTn>
+                                        <p:tgtEl>
+                                          <p:spTgt spid="2">
+                                            <p:txEl>
+                                              <p:pRg st="2" end="2"/>
+                                            </p:txEl>
+                                          </p:spTgt>
+                                        </p:tgtEl>
+                                        <p:attrNameLst>
+                                          <p:attrName>style.visibility</p:attrName>
+                                        </p:attrNameLst>
+                                      </p:cBhvr>
+                                      <p:to>
+                                        <p:strVal val="visible"/>
+                                      </p:to>
+                                    </p:set>
+                                  </p:childTnLst>
+                                </p:cTn>
+                              </p:par>
+                              <p:par>
+                                <p:cTn id="15" presetID="1" presetClass="entr" presetSubtype="0" fill="hold" nodeType="withEffect">
+                                  <p:stCondLst>
+                                    <p:cond delay="0"/>
+                                  </p:stCondLst>
+                                  <p:childTnLst>
+                                    <p:set>
+                                      <p:cBhvr>
+                                        <p:cTn id="16" dur="1" fill="hold">
+                                          <p:stCondLst>
+                                            <p:cond delay="0"/>
+                                          </p:stCondLst>
+                                        </p:cTn>
+                                        <p:tgtEl>
+                                          <p:spTgt spid="2">
+                                            <p:txEl>
+                                              <p:pRg st="3" end="3"/>
+                                            </p:txEl>
+                                          </p:spTgt>
+                                        </p:tgtEl>
+                                        <p:attrNameLst>
+                                          <p:attrName>style.visibility</p:attrName>
+                                        </p:attrNameLst>
+                                      </p:cBhvr>
+                                      <p:to>
+                                        <p:strVal val="visible"/>
+                                      </p:to>
+                                    </p:set>
+                                  </p:childTnLst>
+                                </p:cTn>
+                              </p:par>
+                              <p:par>
+                                <p:cTn id="17" presetID="1" presetClass="entr" presetSubtype="0" fill="hold" nodeType="withEffect">
+                                  <p:stCondLst>
+                                    <p:cond delay="0"/>
+                                  </p:stCondLst>
+                                  <p:childTnLst>
+                                    <p:set>
+                                      <p:cBhvr>
+                                        <p:cTn id="18" dur="1" fill="hold">
+                                          <p:stCondLst>
+                                            <p:cond delay="0"/>
+                                          </p:stCondLst>
+                                        </p:cTn>
+                                        <p:tgtEl>
+                                          <p:spTgt spid="2">
+                                            <p:txEl>
+                                              <p:pRg st="4" end="4"/>
+                                            </p:txEl>
+                                          </p:spTgt>
+                                        </p:tgtEl>
+                                        <p:attrNameLst>
+                                          <p:attrName>style.visibility</p:attrName>
+                                        </p:attrNameLst>
+                                      </p:cBhvr>
+                                      <p:to>
+                                        <p:strVal val="visible"/>
+                                      </p:to>
+                                    </p:set>
+                                  </p:childTnLst>
+                                </p:cTn>
+                              </p:par>
+                            </p:childTnLst>
+                          </p:cTn>
+                        </p:par>
+                      </p:childTnLst>
+                    </p:cTn>
+                  </p:par>
+                  <p:par>
+                    <p:cTn id="19" fill="hold">
+                      <p:stCondLst>
+                        <p:cond delay="indefinite"/>
+                      </p:stCondLst>
+                      <p:childTnLst>
+                        <p:par>
+                          <p:cTn id="20" fill="hold">
+                            <p:stCondLst>
+                              <p:cond delay="0"/>
+                            </p:stCondLst>
+                            <p:childTnLst>
+                              <p:par>
+                                <p:cTn id="21" presetID="1" presetClass="entr" presetSubtype="0" fill="hold" nodeType="clickEffect">
+                                  <p:stCondLst>
+                                    <p:cond delay="0"/>
+                                  </p:stCondLst>
+                                  <p:childTnLst>
+                                    <p:set>
+                                      <p:cBhvr>
+                                        <p:cTn id="22" dur="1" fill="hold">
+                                          <p:stCondLst>
+                                            <p:cond delay="0"/>
+                                          </p:stCondLst>
+                                        </p:cTn>
+                                        <p:tgtEl>
+                                          <p:spTgt spid="2">
+                                            <p:txEl>
+                                              <p:pRg st="5" end="5"/>
+                                            </p:txEl>
+                                          </p:spTgt>
+                                        </p:tgtEl>
+                                        <p:attrNameLst>
+                                          <p:attrName>style.visibility</p:attrName>
+                                        </p:attrNameLst>
+                                      </p:cBhvr>
+                                      <p:to>
+                                        <p:strVal val="visible"/>
+                                      </p:to>
+                                    </p:set>
+                                  </p:childTnLst>
+                                </p:cTn>
+                              </p:par>
+                            </p:childTnLst>
+                          </p:cTn>
+                        </p:par>
+                      </p:childTnLst>
+                    </p:cTn>
+                  </p:par>
+                  <p:par>
+                    <p:cTn id="23" fill="hold">
+                      <p:stCondLst>
+                        <p:cond delay="indefinite"/>
+                      </p:stCondLst>
+                      <p:childTnLst>
+                        <p:par>
+                          <p:cTn id="24" fill="hold">
+                            <p:stCondLst>
+                              <p:cond delay="0"/>
+                            </p:stCondLst>
+                            <p:childTnLst>
+                              <p:par>
+                                <p:cTn id="25" presetID="1" presetClass="entr" presetSubtype="0" fill="hold" nodeType="clickEffect">
+                                  <p:stCondLst>
+                                    <p:cond delay="0"/>
+                                  </p:stCondLst>
+                                  <p:childTnLst>
+                                    <p:set>
+                                      <p:cBhvr>
+                                        <p:cTn id="26" dur="1" fill="hold">
+                                          <p:stCondLst>
+                                            <p:cond delay="0"/>
+                                          </p:stCondLst>
+                                        </p:cTn>
+                                        <p:tgtEl>
+                                          <p:spTgt spid="2">
+                                            <p:txEl>
+                                              <p:pRg st="6" end="6"/>
+                                            </p:txEl>
+                                          </p:spTgt>
+                                        </p:tgtEl>
+                                        <p:attrNameLst>
+                                          <p:attrName>style.visibility</p:attrName>
+                                        </p:attrNameLst>
+                                      </p:cBhvr>
+                                      <p:to>
+                                        <p:strVal val="visible"/>
+                                      </p:to>
+                                    </p:set>
+                                  </p:childTnLst>
+                                </p:cTn>
+                              </p:par>
+                            </p:childTnLst>
+                          </p:cTn>
+                        </p:par>
+                      </p:childTnLst>
+                    </p:cTn>
+                  </p:par>
+                </p:childTnLst>
+              </p:cTn>
+              <p:prevCondLst>
+                <p:cond evt="onPrev" delay="0">
+                  <p:tgtEl>
+                    <p:sldTgt/>
+                  </p:tgtEl>
+                </p:cond>
+              </p:prevCondLst>
+              <p:nextCondLst>
+                <p:cond evt="onNext" delay="0">
+                  <p:tgtEl>
+                    <p:sldTgt/>
+                  </p:tgtEl>
+                </p:cond>
+              </p:nextCondLst>
+            </p:seq>
+          </p:childTnLst>
+        </p:cTn>
       </p:par>
     </p:tnLst>
   </p:timing>
@@ -5919,6 +6413,300 @@
         <p:spPr/>
         <p:txBody>
           <a:bodyPr>
+            <a:noAutofit/>
+          </a:bodyPr>
+          <a:lstStyle/>
+          <a:p>
+            <a:r>
+              <a:rPr lang="en-US" sz="2600" dirty="0" smtClean="0"/>
+              <a:t>Step 3 looks for categorie</a:t>
+            </a:r>
+            <a:r>
+              <a:rPr lang="en-US" sz="2600" dirty="0" smtClean="0"/>
+              <a:t>s which might not be named entities.</a:t>
+            </a:r>
+            <a:endParaRPr lang="en-US" sz="2600" dirty="0" smtClean="0"/>
+          </a:p>
+          <a:p>
+            <a:r>
+              <a:rPr lang="en-US" sz="2600" dirty="0" smtClean="0"/>
+              <a:t>Named </a:t>
+            </a:r>
+            <a:r>
+              <a:rPr lang="en-US" sz="2600" dirty="0" smtClean="0"/>
+              <a:t>Entity Recognition in Queries (NERQ)</a:t>
+            </a:r>
+          </a:p>
+          <a:p>
+            <a:r>
+              <a:rPr lang="en-US" sz="2600" dirty="0" smtClean="0"/>
+              <a:t>Traditional </a:t>
+            </a:r>
+            <a:r>
+              <a:rPr lang="en-US" sz="2600" dirty="0" smtClean="0"/>
+              <a:t>NER is not accurate due to loss of context</a:t>
+            </a:r>
+            <a:r>
+              <a:rPr lang="en-US" sz="2600" dirty="0" smtClean="0"/>
+              <a:t>.</a:t>
+            </a:r>
+          </a:p>
+        </p:txBody>
+      </p:sp>
+      <p:sp>
+        <p:nvSpPr>
+          <p:cNvPr id="3" name="Title 2"/>
+          <p:cNvSpPr>
+            <a:spLocks noGrp="1"/>
+          </p:cNvSpPr>
+          <p:nvPr>
+            <p:ph type="title"/>
+          </p:nvPr>
+        </p:nvSpPr>
+        <p:spPr/>
+        <p:txBody>
+          <a:bodyPr/>
+          <a:lstStyle/>
+          <a:p>
+            <a:r>
+              <a:rPr lang="en-US" dirty="0" smtClean="0"/>
+              <a:t>Step </a:t>
+            </a:r>
+            <a:r>
+              <a:rPr lang="en-US" dirty="0" smtClean="0"/>
+              <a:t>4</a:t>
+            </a:r>
+            <a:endParaRPr lang="en-US" dirty="0"/>
+          </a:p>
+        </p:txBody>
+      </p:sp>
+    </p:spTree>
+  </p:cSld>
+  <p:clrMapOvr>
+    <a:masterClrMapping/>
+  </p:clrMapOvr>
+  <mc:AlternateContent xmlns:mc="http://schemas.openxmlformats.org/markup-compatibility/2006">
+    <mc:Choice xmlns:p14="http://schemas.microsoft.com/office/powerpoint/2010/main" xmlns="" Requires="p14">
+      <p:transition spd="med" p14:dur="700">
+        <p:fade/>
+      </p:transition>
+    </mc:Choice>
+    <mc:Fallback>
+      <p:transition spd="med">
+        <p:fade/>
+      </p:transition>
+    </mc:Fallback>
+  </mc:AlternateContent>
+  <p:timing>
+    <p:tnLst>
+      <p:par>
+        <p:cTn id="1" dur="indefinite" restart="never" nodeType="tmRoot">
+          <p:childTnLst>
+            <p:seq concurrent="1" nextAc="seek">
+              <p:cTn id="2" dur="indefinite" nodeType="mainSeq">
+                <p:childTnLst>
+                  <p:par>
+                    <p:cTn id="3" fill="hold">
+                      <p:stCondLst>
+                        <p:cond delay="indefinite"/>
+                      </p:stCondLst>
+                      <p:childTnLst>
+                        <p:par>
+                          <p:cTn id="4" fill="hold">
+                            <p:stCondLst>
+                              <p:cond delay="0"/>
+                            </p:stCondLst>
+                            <p:childTnLst>
+                              <p:par>
+                                <p:cTn id="5" presetID="1" presetClass="entr" presetSubtype="0" fill="hold" nodeType="clickEffect">
+                                  <p:stCondLst>
+                                    <p:cond delay="0"/>
+                                  </p:stCondLst>
+                                  <p:childTnLst>
+                                    <p:set>
+                                      <p:cBhvr>
+                                        <p:cTn id="6" dur="1" fill="hold">
+                                          <p:stCondLst>
+                                            <p:cond delay="0"/>
+                                          </p:stCondLst>
+                                        </p:cTn>
+                                        <p:tgtEl>
+                                          <p:spTgt spid="2">
+                                            <p:txEl>
+                                              <p:pRg st="0" end="0"/>
+                                            </p:txEl>
+                                          </p:spTgt>
+                                        </p:tgtEl>
+                                        <p:attrNameLst>
+                                          <p:attrName>style.visibility</p:attrName>
+                                        </p:attrNameLst>
+                                      </p:cBhvr>
+                                      <p:to>
+                                        <p:strVal val="visible"/>
+                                      </p:to>
+                                    </p:set>
+                                  </p:childTnLst>
+                                </p:cTn>
+                              </p:par>
+                            </p:childTnLst>
+                          </p:cTn>
+                        </p:par>
+                      </p:childTnLst>
+                    </p:cTn>
+                  </p:par>
+                  <p:par>
+                    <p:cTn id="7" fill="hold">
+                      <p:stCondLst>
+                        <p:cond delay="indefinite"/>
+                      </p:stCondLst>
+                      <p:childTnLst>
+                        <p:par>
+                          <p:cTn id="8" fill="hold">
+                            <p:stCondLst>
+                              <p:cond delay="0"/>
+                            </p:stCondLst>
+                            <p:childTnLst>
+                              <p:par>
+                                <p:cTn id="9" presetID="1" presetClass="entr" presetSubtype="0" fill="hold" nodeType="clickEffect">
+                                  <p:stCondLst>
+                                    <p:cond delay="0"/>
+                                  </p:stCondLst>
+                                  <p:childTnLst>
+                                    <p:set>
+                                      <p:cBhvr>
+                                        <p:cTn id="10" dur="1" fill="hold">
+                                          <p:stCondLst>
+                                            <p:cond delay="0"/>
+                                          </p:stCondLst>
+                                        </p:cTn>
+                                        <p:tgtEl>
+                                          <p:spTgt spid="2">
+                                            <p:txEl>
+                                              <p:pRg st="1" end="1"/>
+                                            </p:txEl>
+                                          </p:spTgt>
+                                        </p:tgtEl>
+                                        <p:attrNameLst>
+                                          <p:attrName>style.visibility</p:attrName>
+                                        </p:attrNameLst>
+                                      </p:cBhvr>
+                                      <p:to>
+                                        <p:strVal val="visible"/>
+                                      </p:to>
+                                    </p:set>
+                                  </p:childTnLst>
+                                </p:cTn>
+                              </p:par>
+                            </p:childTnLst>
+                          </p:cTn>
+                        </p:par>
+                      </p:childTnLst>
+                    </p:cTn>
+                  </p:par>
+                  <p:par>
+                    <p:cTn id="11" fill="hold">
+                      <p:stCondLst>
+                        <p:cond delay="indefinite"/>
+                      </p:stCondLst>
+                      <p:childTnLst>
+                        <p:par>
+                          <p:cTn id="12" fill="hold">
+                            <p:stCondLst>
+                              <p:cond delay="0"/>
+                            </p:stCondLst>
+                            <p:childTnLst>
+                              <p:par>
+                                <p:cTn id="13" presetID="1" presetClass="entr" presetSubtype="0" fill="hold" nodeType="clickEffect">
+                                  <p:stCondLst>
+                                    <p:cond delay="0"/>
+                                  </p:stCondLst>
+                                  <p:childTnLst>
+                                    <p:set>
+                                      <p:cBhvr>
+                                        <p:cTn id="14" dur="1" fill="hold">
+                                          <p:stCondLst>
+                                            <p:cond delay="0"/>
+                                          </p:stCondLst>
+                                        </p:cTn>
+                                        <p:tgtEl>
+                                          <p:spTgt spid="2">
+                                            <p:txEl>
+                                              <p:pRg st="2" end="2"/>
+                                            </p:txEl>
+                                          </p:spTgt>
+                                        </p:tgtEl>
+                                        <p:attrNameLst>
+                                          <p:attrName>style.visibility</p:attrName>
+                                        </p:attrNameLst>
+                                      </p:cBhvr>
+                                      <p:to>
+                                        <p:strVal val="visible"/>
+                                      </p:to>
+                                    </p:set>
+                                  </p:childTnLst>
+                                </p:cTn>
+                              </p:par>
+                            </p:childTnLst>
+                          </p:cTn>
+                        </p:par>
+                      </p:childTnLst>
+                    </p:cTn>
+                  </p:par>
+                </p:childTnLst>
+              </p:cTn>
+              <p:prevCondLst>
+                <p:cond evt="onPrev" delay="0">
+                  <p:tgtEl>
+                    <p:sldTgt/>
+                  </p:tgtEl>
+                </p:cond>
+              </p:prevCondLst>
+              <p:nextCondLst>
+                <p:cond evt="onNext" delay="0">
+                  <p:tgtEl>
+                    <p:sldTgt/>
+                  </p:tgtEl>
+                </p:cond>
+              </p:nextCondLst>
+            </p:seq>
+          </p:childTnLst>
+        </p:cTn>
+      </p:par>
+    </p:tnLst>
+  </p:timing>
+</p:sld>
+</file>
+
+<file path=ppt/slides/slide13.xml><?xml version="1.0" encoding="utf-8"?>
+<p:sld xmlns:a="http://schemas.openxmlformats.org/drawingml/2006/main" xmlns:r="http://schemas.openxmlformats.org/officeDocument/2006/relationships" xmlns:p="http://schemas.openxmlformats.org/presentationml/2006/main">
+  <p:cSld>
+    <p:spTree>
+      <p:nvGrpSpPr>
+        <p:cNvPr id="1" name=""/>
+        <p:cNvGrpSpPr/>
+        <p:nvPr/>
+      </p:nvGrpSpPr>
+      <p:grpSpPr>
+        <a:xfrm>
+          <a:off x="0" y="0"/>
+          <a:ext cx="0" cy="0"/>
+          <a:chOff x="0" y="0"/>
+          <a:chExt cx="0" cy="0"/>
+        </a:xfrm>
+      </p:grpSpPr>
+      <p:sp>
+        <p:nvSpPr>
+          <p:cNvPr id="2" name="Content Placeholder 1"/>
+          <p:cNvSpPr>
+            <a:spLocks noGrp="1"/>
+          </p:cNvSpPr>
+          <p:nvPr>
+            <p:ph idx="1"/>
+          </p:nvPr>
+        </p:nvSpPr>
+        <p:spPr/>
+        <p:txBody>
+          <a:bodyPr>
             <a:normAutofit/>
           </a:bodyPr>
           <a:lstStyle/>
@@ -5972,10 +6760,20 @@
             </a:r>
           </a:p>
           <a:p>
+            <a:r>
+              <a:rPr lang="en-US" dirty="0" err="1" smtClean="0"/>
+              <a:t>Pasca</a:t>
+            </a:r>
+            <a:r>
+              <a:rPr lang="en-US" dirty="0" smtClean="0"/>
+              <a:t>, 2007</a:t>
+            </a:r>
+          </a:p>
+          <a:p>
             <a:pPr lvl="1"/>
             <a:r>
               <a:rPr lang="en-US" dirty="0" smtClean="0"/>
-              <a:t>Extract named </a:t>
+              <a:t>Extracted named entities from Web search queries.</a:t>
             </a:r>
             <a:endParaRPr lang="en-US" dirty="0" smtClean="0"/>
           </a:p>
@@ -6247,6 +7045,37 @@
                                   </p:childTnLst>
                                 </p:cTn>
                               </p:par>
+                              <p:par>
+                                <p:cTn id="19" presetID="1" presetClass="entr" presetSubtype="0" fill="hold" nodeType="withEffect">
+                                  <p:stCondLst>
+                                    <p:cond delay="0"/>
+                                  </p:stCondLst>
+                                  <p:childTnLst>
+                                    <p:set>
+                                      <p:cBhvr>
+                                        <p:cTn id="20" dur="1" fill="hold">
+                                          <p:stCondLst>
+                                            <p:cond delay="0"/>
+                                          </p:stCondLst>
+                                        </p:cTn>
+                                        <p:tgtEl>
+                                          <p:spTgt spid="2">
+                                            <p:txEl>
+                                              <p:pRg st="6" end="6"/>
+                                            </p:txEl>
+                                          </p:spTgt>
+                                        </p:tgtEl>
+                                        <p:attrNameLst>
+                                          <p:attrName>style.visibility</p:attrName>
+                                        </p:attrNameLst>
+                                      </p:cBhvr>
+                                      <p:to>
+                                        <p:strVal val="visible"/>
+                                      </p:to>
+                                    </p:set>
+                                  </p:childTnLst>
+                                </p:cTn>
+                              </p:par>
                             </p:childTnLst>
                           </p:cTn>
                         </p:par>
@@ -6278,7 +7107,7 @@
 </p:sld>
 </file>
 
-<file path=ppt/slides/slide13.xml><?xml version="1.0" encoding="utf-8"?>
+<file path=ppt/slides/slide14.xml><?xml version="1.0" encoding="utf-8"?>
 <p:sld xmlns:a="http://schemas.openxmlformats.org/drawingml/2006/main" xmlns:r="http://schemas.openxmlformats.org/officeDocument/2006/relationships" xmlns:p="http://schemas.openxmlformats.org/presentationml/2006/main">
   <p:cSld>
     <p:spTree>
@@ -6307,7 +7136,9 @@
         </p:nvSpPr>
         <p:spPr/>
         <p:txBody>
-          <a:bodyPr/>
+          <a:bodyPr>
+            <a:normAutofit lnSpcReduction="10000"/>
+          </a:bodyPr>
           <a:lstStyle/>
           <a:p>
             <a:r>
@@ -6349,33 +7180,68 @@
           </a:p>
           <a:p>
             <a:r>
-              <a:rPr lang="en-US" dirty="0" smtClean="0"/>
+              <a:rPr lang="en-US" sz="2600" dirty="0" smtClean="0"/>
               <a:t>We use </a:t>
             </a:r>
             <a:r>
-              <a:rPr lang="en-US" dirty="0" err="1" smtClean="0"/>
+              <a:rPr lang="en-US" sz="2600" dirty="0" err="1" smtClean="0"/>
               <a:t>Dbpedia</a:t>
             </a:r>
             <a:r>
-              <a:rPr lang="en-US" dirty="0" smtClean="0"/>
+              <a:rPr lang="en-US" sz="2600" dirty="0" smtClean="0"/>
               <a:t> as a dictionary to check for </a:t>
             </a:r>
             <a:r>
-              <a:rPr lang="en-US" i="1" dirty="0" smtClean="0"/>
+              <a:rPr lang="en-US" sz="2600" i="1" dirty="0" smtClean="0"/>
               <a:t>people</a:t>
             </a:r>
             <a:r>
-              <a:rPr lang="en-US" dirty="0" smtClean="0"/>
+              <a:rPr lang="en-US" sz="2600" dirty="0" smtClean="0"/>
               <a:t> and </a:t>
             </a:r>
             <a:r>
-              <a:rPr lang="en-US" i="1" dirty="0" smtClean="0"/>
+              <a:rPr lang="en-US" sz="2600" i="1" dirty="0" smtClean="0"/>
               <a:t>person</a:t>
             </a:r>
             <a:r>
-              <a:rPr lang="en-US" dirty="0" smtClean="0"/>
-              <a:t> entities.</a:t>
-            </a:r>
+              <a:rPr lang="en-US" sz="2600" dirty="0" smtClean="0"/>
+              <a:t> entities</a:t>
+            </a:r>
+            <a:r>
+              <a:rPr lang="en-US" sz="2600" dirty="0" smtClean="0"/>
+              <a:t>.</a:t>
+            </a:r>
+          </a:p>
+          <a:p>
+            <a:r>
+              <a:rPr lang="en-US" sz="2600" dirty="0" smtClean="0"/>
+              <a:t>Complexities:</a:t>
+            </a:r>
+          </a:p>
+          <a:p>
+            <a:pPr lvl="1"/>
+            <a:r>
+              <a:rPr lang="en-US" sz="2200" dirty="0" smtClean="0"/>
+              <a:t>“Microsoft </a:t>
+            </a:r>
+            <a:r>
+              <a:rPr lang="en-US" sz="2200" dirty="0" err="1" smtClean="0"/>
+              <a:t>Ofiice</a:t>
+            </a:r>
+            <a:r>
+              <a:rPr lang="en-US" sz="2200" dirty="0" smtClean="0"/>
+              <a:t>”. Microsoft in itself is an entity</a:t>
+            </a:r>
+          </a:p>
+          <a:p>
+            <a:pPr lvl="1"/>
+            <a:r>
+              <a:rPr lang="en-US" sz="2200" dirty="0" smtClean="0"/>
+              <a:t>But in a search “Microsoft office reviews”, to substitute Microsoft with Apple or Software companies is incorrect. </a:t>
+            </a:r>
+          </a:p>
+          <a:p>
+            <a:endParaRPr lang="en-US" dirty="0" smtClean="0"/>
           </a:p>
           <a:p>
             <a:endParaRPr lang="en-US" dirty="0" smtClean="0"/>
@@ -6586,15 +7452,33 @@
                                   </p:childTnLst>
                                 </p:cTn>
                               </p:par>
+                            </p:childTnLst>
+                          </p:cTn>
+                        </p:par>
+                      </p:childTnLst>
+                    </p:cTn>
+                  </p:par>
+                  <p:par>
+                    <p:cTn id="15" fill="hold">
+                      <p:stCondLst>
+                        <p:cond delay="indefinite"/>
+                      </p:stCondLst>
+                      <p:childTnLst>
+                        <p:par>
+                          <p:cTn id="16" fill="hold">
+                            <p:stCondLst>
+                              <p:cond delay="0"/>
+                            </p:stCondLst>
+                            <p:childTnLst>
                               <p:par>
-                                <p:cTn id="15" presetID="1" presetClass="entr" presetSubtype="0" fill="hold" nodeType="withEffect">
+                                <p:cTn id="17" presetID="1" presetClass="entr" presetSubtype="0" fill="hold" nodeType="clickEffect">
                                   <p:stCondLst>
                                     <p:cond delay="0"/>
                                   </p:stCondLst>
                                   <p:childTnLst>
                                     <p:set>
                                       <p:cBhvr>
-                                        <p:cTn id="16" dur="1" fill="hold">
+                                        <p:cTn id="18" dur="1" fill="hold">
                                           <p:stCondLst>
                                             <p:cond delay="0"/>
                                           </p:stCondLst>
@@ -6603,6 +7487,117 @@
                                           <p:spTgt spid="2">
                                             <p:txEl>
                                               <p:pRg st="4" end="4"/>
+                                            </p:txEl>
+                                          </p:spTgt>
+                                        </p:tgtEl>
+                                        <p:attrNameLst>
+                                          <p:attrName>style.visibility</p:attrName>
+                                        </p:attrNameLst>
+                                      </p:cBhvr>
+                                      <p:to>
+                                        <p:strVal val="visible"/>
+                                      </p:to>
+                                    </p:set>
+                                  </p:childTnLst>
+                                </p:cTn>
+                              </p:par>
+                            </p:childTnLst>
+                          </p:cTn>
+                        </p:par>
+                      </p:childTnLst>
+                    </p:cTn>
+                  </p:par>
+                  <p:par>
+                    <p:cTn id="19" fill="hold">
+                      <p:stCondLst>
+                        <p:cond delay="indefinite"/>
+                      </p:stCondLst>
+                      <p:childTnLst>
+                        <p:par>
+                          <p:cTn id="20" fill="hold">
+                            <p:stCondLst>
+                              <p:cond delay="0"/>
+                            </p:stCondLst>
+                            <p:childTnLst>
+                              <p:par>
+                                <p:cTn id="21" presetID="1" presetClass="entr" presetSubtype="0" fill="hold" nodeType="clickEffect">
+                                  <p:stCondLst>
+                                    <p:cond delay="0"/>
+                                  </p:stCondLst>
+                                  <p:childTnLst>
+                                    <p:set>
+                                      <p:cBhvr>
+                                        <p:cTn id="22" dur="1" fill="hold">
+                                          <p:stCondLst>
+                                            <p:cond delay="0"/>
+                                          </p:stCondLst>
+                                        </p:cTn>
+                                        <p:tgtEl>
+                                          <p:spTgt spid="2">
+                                            <p:txEl>
+                                              <p:pRg st="5" end="5"/>
+                                            </p:txEl>
+                                          </p:spTgt>
+                                        </p:tgtEl>
+                                        <p:attrNameLst>
+                                          <p:attrName>style.visibility</p:attrName>
+                                        </p:attrNameLst>
+                                      </p:cBhvr>
+                                      <p:to>
+                                        <p:strVal val="visible"/>
+                                      </p:to>
+                                    </p:set>
+                                  </p:childTnLst>
+                                </p:cTn>
+                              </p:par>
+                              <p:par>
+                                <p:cTn id="23" presetID="1" presetClass="entr" presetSubtype="0" fill="hold" nodeType="withEffect">
+                                  <p:stCondLst>
+                                    <p:cond delay="0"/>
+                                  </p:stCondLst>
+                                  <p:childTnLst>
+                                    <p:set>
+                                      <p:cBhvr>
+                                        <p:cTn id="24" dur="1" fill="hold">
+                                          <p:stCondLst>
+                                            <p:cond delay="0"/>
+                                          </p:stCondLst>
+                                        </p:cTn>
+                                        <p:tgtEl>
+                                          <p:spTgt spid="2">
+                                            <p:txEl>
+                                              <p:pRg st="6" end="6"/>
+                                            </p:txEl>
+                                          </p:spTgt>
+                                        </p:tgtEl>
+                                        <p:attrNameLst>
+                                          <p:attrName>style.visibility</p:attrName>
+                                        </p:attrNameLst>
+                                      </p:cBhvr>
+                                      <p:to>
+                                        <p:strVal val="visible"/>
+                                      </p:to>
+                                    </p:set>
+                                  </p:childTnLst>
+                                </p:cTn>
+                              </p:par>
+                              <p:par>
+                                <p:cTn id="25" presetID="1" presetClass="entr" presetSubtype="0" fill="hold" nodeType="withEffect">
+                                  <p:stCondLst>
+                                    <p:cond delay="0"/>
+                                  </p:stCondLst>
+                                  <p:childTnLst>
+                                    <p:set>
+                                      <p:cBhvr>
+                                        <p:cTn id="26" dur="1" fill="hold">
+                                          <p:stCondLst>
+                                            <p:cond delay="0"/>
+                                          </p:stCondLst>
+                                        </p:cTn>
+                                        <p:tgtEl>
+                                          <p:spTgt spid="2">
+                                            <p:txEl>
+                                              <p:pRg st="7" end="7"/>
                                             </p:txEl>
                                           </p:spTgt>
                                         </p:tgtEl>
@@ -6648,155 +7643,6 @@
 </p:sld>
 </file>
 
-<file path=ppt/slides/slide14.xml><?xml version="1.0" encoding="utf-8"?>
-<p:sld xmlns:a="http://schemas.openxmlformats.org/drawingml/2006/main" xmlns:r="http://schemas.openxmlformats.org/officeDocument/2006/relationships" xmlns:p="http://schemas.openxmlformats.org/presentationml/2006/main">
-  <p:cSld>
-    <p:spTree>
-      <p:nvGrpSpPr>
-        <p:cNvPr id="1" name=""/>
-        <p:cNvGrpSpPr/>
-        <p:nvPr/>
-      </p:nvGrpSpPr>
-      <p:grpSpPr>
-        <a:xfrm>
-          <a:off x="0" y="0"/>
-          <a:ext cx="0" cy="0"/>
-          <a:chOff x="0" y="0"/>
-          <a:chExt cx="0" cy="0"/>
-        </a:xfrm>
-      </p:grpSpPr>
-      <p:sp>
-        <p:nvSpPr>
-          <p:cNvPr id="2" name="Content Placeholder 1"/>
-          <p:cNvSpPr>
-            <a:spLocks noGrp="1"/>
-          </p:cNvSpPr>
-          <p:nvPr>
-            <p:ph idx="1"/>
-          </p:nvPr>
-        </p:nvSpPr>
-        <p:spPr/>
-        <p:txBody>
-          <a:bodyPr/>
-          <a:lstStyle/>
-          <a:p>
-            <a:r>
-              <a:rPr lang="en-US" dirty="0" smtClean="0"/>
-              <a:t>Jones et. al 2006</a:t>
-            </a:r>
-          </a:p>
-          <a:p>
-            <a:pPr lvl="1"/>
-            <a:r>
-              <a:rPr lang="en-US" dirty="0" smtClean="0"/>
-              <a:t>Substituting parts of a query.</a:t>
-            </a:r>
-          </a:p>
-          <a:p>
-            <a:pPr lvl="1"/>
-            <a:r>
-              <a:rPr lang="en-US" dirty="0" smtClean="0"/>
-              <a:t>Comprehensive analysis </a:t>
-            </a:r>
-            <a:r>
-              <a:rPr lang="en-US" dirty="0" smtClean="0"/>
-              <a:t>– Various relations of reformulation to original query.</a:t>
-            </a:r>
-          </a:p>
-          <a:p>
-            <a:pPr lvl="1"/>
-            <a:r>
-              <a:rPr lang="en-US" dirty="0" smtClean="0"/>
-              <a:t>Precise </a:t>
-            </a:r>
-            <a:r>
-              <a:rPr lang="en-US" dirty="0" smtClean="0"/>
-              <a:t>rewrite – </a:t>
-            </a:r>
-            <a:r>
-              <a:rPr lang="en-US" dirty="0" smtClean="0"/>
-              <a:t>syntax/spelling change</a:t>
-            </a:r>
-          </a:p>
-          <a:p>
-            <a:pPr lvl="1"/>
-            <a:r>
-              <a:rPr lang="en-US" dirty="0" smtClean="0"/>
-              <a:t>Approximate rewrite – Broaden/Specialize</a:t>
-            </a:r>
-            <a:endParaRPr lang="en-US" dirty="0" smtClean="0"/>
-          </a:p>
-          <a:p>
-            <a:pPr lvl="1"/>
-            <a:r>
-              <a:rPr lang="en-US" sz="2300" dirty="0" smtClean="0"/>
-              <a:t>Possible rewrite</a:t>
-            </a:r>
-            <a:r>
-              <a:rPr lang="en-US" sz="2300" dirty="0" smtClean="0"/>
-              <a:t> – Some other association relation</a:t>
-            </a:r>
-          </a:p>
-          <a:p>
-            <a:pPr lvl="1"/>
-            <a:r>
-              <a:rPr lang="en-US" sz="2300" dirty="0" smtClean="0"/>
-              <a:t>Unrelated in semantics (disambiguation)</a:t>
-            </a:r>
-            <a:endParaRPr lang="en-US" sz="2300" dirty="0"/>
-          </a:p>
-        </p:txBody>
-      </p:sp>
-      <p:sp>
-        <p:nvSpPr>
-          <p:cNvPr id="3" name="Title 2"/>
-          <p:cNvSpPr>
-            <a:spLocks noGrp="1"/>
-          </p:cNvSpPr>
-          <p:nvPr>
-            <p:ph type="title"/>
-          </p:nvPr>
-        </p:nvSpPr>
-        <p:spPr/>
-        <p:txBody>
-          <a:bodyPr/>
-          <a:lstStyle/>
-          <a:p>
-            <a:r>
-              <a:rPr lang="en-US" dirty="0" smtClean="0"/>
-              <a:t>Reformulating queries</a:t>
-            </a:r>
-            <a:endParaRPr lang="en-US" dirty="0"/>
-          </a:p>
-        </p:txBody>
-      </p:sp>
-    </p:spTree>
-  </p:cSld>
-  <p:clrMapOvr>
-    <a:masterClrMapping/>
-  </p:clrMapOvr>
-  <mc:AlternateContent xmlns:mc="http://schemas.openxmlformats.org/markup-compatibility/2006">
-    <mc:Choice xmlns:p14="http://schemas.microsoft.com/office/powerpoint/2010/main" xmlns="" Requires="p14">
-      <p:transition spd="med" p14:dur="700">
-        <p:fade/>
-      </p:transition>
-    </mc:Choice>
-    <mc:Fallback>
-      <p:transition spd="med">
-        <p:fade/>
-      </p:transition>
-    </mc:Fallback>
-  </mc:AlternateContent>
-  <p:timing>
-    <p:tnLst>
-      <p:par>
-        <p:cTn id="1" dur="indefinite" restart="never" nodeType="tmRoot"/>
-      </p:par>
-    </p:tnLst>
-  </p:timing>
-</p:sld>
-</file>
-
 <file path=ppt/slides/slide15.xml><?xml version="1.0" encoding="utf-8"?>
 <p:sld xmlns:a="http://schemas.openxmlformats.org/drawingml/2006/main" xmlns:r="http://schemas.openxmlformats.org/officeDocument/2006/relationships" xmlns:p="http://schemas.openxmlformats.org/presentationml/2006/main">
   <p:cSld>
@@ -6826,21 +7672,141 @@
         </p:nvSpPr>
         <p:spPr/>
         <p:txBody>
-          <a:bodyPr/>
+          <a:bodyPr>
+            <a:normAutofit lnSpcReduction="10000"/>
+          </a:bodyPr>
           <a:lstStyle/>
           <a:p>
+            <a:pPr marL="514350" indent="-514350">
+              <a:buFont typeface="+mj-lt"/>
+              <a:buAutoNum type="arabicPeriod"/>
+            </a:pPr>
             <a:r>
               <a:rPr lang="en-US" dirty="0" smtClean="0"/>
-              <a:t>Generalizing to </a:t>
+              <a:t>“</a:t>
+            </a:r>
+            <a:r>
+              <a:rPr lang="en-US" dirty="0" err="1" smtClean="0"/>
+              <a:t>hayley</a:t>
             </a:r>
             <a:r>
               <a:rPr lang="en-US" dirty="0" smtClean="0"/>
-              <a:t>diversify </a:t>
+              <a:t> </a:t>
+            </a:r>
+            <a:r>
+              <a:rPr lang="en-US" dirty="0" err="1" smtClean="0"/>
+              <a:t>westenra</a:t>
             </a:r>
             <a:r>
               <a:rPr lang="en-US" dirty="0" smtClean="0"/>
-              <a:t>search results</a:t>
-            </a:r>
+              <a:t> </a:t>
+            </a:r>
+            <a:r>
+              <a:rPr lang="en-US" b="1" dirty="0" smtClean="0"/>
+              <a:t>the last rose of </a:t>
+            </a:r>
+            <a:r>
+              <a:rPr lang="en-US" b="1" dirty="0" smtClean="0"/>
+              <a:t>	summer</a:t>
+            </a:r>
+            <a:r>
+              <a:rPr lang="en-US" dirty="0" smtClean="0"/>
+              <a:t>”</a:t>
+            </a:r>
+          </a:p>
+          <a:p>
+            <a:pPr lvl="1"/>
+            <a:r>
+              <a:rPr lang="en-US" dirty="0" smtClean="0"/>
+              <a:t>Homogenous from the perspective a user who is not too familiar about Ms. </a:t>
+            </a:r>
+            <a:r>
+              <a:rPr lang="en-US" dirty="0" err="1" smtClean="0"/>
+              <a:t>Westenra’s</a:t>
+            </a:r>
+            <a:r>
+              <a:rPr lang="en-US" dirty="0" smtClean="0"/>
+              <a:t> songs</a:t>
+            </a:r>
+          </a:p>
+          <a:p>
+            <a:pPr marL="514350" indent="-514350">
+              <a:buFont typeface="+mj-lt"/>
+              <a:buAutoNum type="arabicPeriod"/>
+            </a:pPr>
+            <a:r>
+              <a:rPr lang="en-US" sz="3200" dirty="0" smtClean="0"/>
+              <a:t> “</a:t>
+            </a:r>
+            <a:r>
+              <a:rPr lang="en-US" sz="3200" dirty="0" err="1" smtClean="0"/>
+              <a:t>hayley</a:t>
+            </a:r>
+            <a:r>
+              <a:rPr lang="en-US" sz="3200" dirty="0" smtClean="0"/>
+              <a:t> </a:t>
+            </a:r>
+            <a:r>
+              <a:rPr lang="en-US" sz="3200" dirty="0" err="1" smtClean="0"/>
+              <a:t>westenra</a:t>
+            </a:r>
+            <a:r>
+              <a:rPr lang="en-US" sz="3200" dirty="0" smtClean="0"/>
+              <a:t> </a:t>
+            </a:r>
+            <a:r>
+              <a:rPr lang="en-US" sz="3200" b="1" dirty="0" err="1" smtClean="0"/>
+              <a:t>irish</a:t>
+            </a:r>
+            <a:r>
+              <a:rPr lang="en-US" sz="3200" b="1" dirty="0" smtClean="0"/>
+              <a:t> songs</a:t>
+            </a:r>
+            <a:r>
+              <a:rPr lang="en-US" sz="3200" dirty="0" smtClean="0"/>
+              <a:t>”</a:t>
+            </a:r>
+          </a:p>
+          <a:p>
+            <a:pPr lvl="1"/>
+            <a:r>
+              <a:rPr lang="en-US" sz="2400" dirty="0" smtClean="0"/>
+              <a:t>Lists all Irish songs by Ms. </a:t>
+            </a:r>
+            <a:r>
+              <a:rPr lang="en-US" sz="2400" dirty="0" err="1" smtClean="0"/>
+              <a:t>Westenra</a:t>
+            </a:r>
+            <a:r>
+              <a:rPr lang="en-US" sz="2400" dirty="0" smtClean="0"/>
+              <a:t>, most of her hit singles.</a:t>
+            </a:r>
+          </a:p>
+          <a:p>
+            <a:r>
+              <a:rPr lang="en-US" dirty="0" smtClean="0"/>
+              <a:t>“Opera crossover singers the last rose of summer</a:t>
+            </a:r>
+            <a:r>
+              <a:rPr lang="en-US" dirty="0" smtClean="0"/>
+              <a:t>”</a:t>
+            </a:r>
+            <a:endParaRPr lang="en-US" sz="2800" dirty="0" smtClean="0"/>
+          </a:p>
+          <a:p>
+            <a:r>
+              <a:rPr lang="en-US" dirty="0" smtClean="0"/>
+              <a:t>Yes of course, we can’t capture (1) right now as we </a:t>
+            </a:r>
+            <a:r>
+              <a:rPr lang="en-US" dirty="0" smtClean="0"/>
+              <a:t>only </a:t>
+            </a:r>
+            <a:r>
+              <a:rPr lang="en-US" dirty="0" smtClean="0"/>
+              <a:t>look at bigrams.</a:t>
+            </a:r>
+            <a:endParaRPr lang="en-US" sz="2800" dirty="0" smtClean="0"/>
           </a:p>
           <a:p>
             <a:endParaRPr lang="en-US" dirty="0"/>
@@ -6864,7 +7830,15 @@
           <a:p>
             <a:r>
               <a:rPr lang="en-US" dirty="0" smtClean="0"/>
-              <a:t>Step 3</a:t>
+              <a:t>A nicer </a:t>
+            </a:r>
+            <a:r>
+              <a:rPr lang="en-US" dirty="0" smtClean="0"/>
+              <a:t>e</a:t>
+            </a:r>
+            <a:r>
+              <a:rPr lang="en-US" dirty="0" smtClean="0"/>
+              <a:t>xample</a:t>
             </a:r>
             <a:endParaRPr lang="en-US" dirty="0"/>
           </a:p>
@@ -6890,7 +7864,319 @@
   <p:timing>
     <p:tnLst>
       <p:par>
-        <p:cTn id="1" dur="indefinite" restart="never" nodeType="tmRoot"/>
+        <p:cTn id="1" dur="indefinite" restart="never" nodeType="tmRoot">
+          <p:childTnLst>
+            <p:seq concurrent="1" nextAc="seek">
+              <p:cTn id="2" dur="indefinite" nodeType="mainSeq">
+                <p:childTnLst>
+                  <p:par>
+                    <p:cTn id="3" fill="hold">
+                      <p:stCondLst>
+                        <p:cond delay="indefinite"/>
+                      </p:stCondLst>
+                      <p:childTnLst>
+                        <p:par>
+                          <p:cTn id="4" fill="hold">
+                            <p:stCondLst>
+                              <p:cond delay="0"/>
+                            </p:stCondLst>
+                            <p:childTnLst>
+                              <p:par>
+                                <p:cTn id="5" presetID="1" presetClass="entr" presetSubtype="0" fill="hold" nodeType="clickEffect">
+                                  <p:stCondLst>
+                                    <p:cond delay="0"/>
+                                  </p:stCondLst>
+                                  <p:childTnLst>
+                                    <p:set>
+                                      <p:cBhvr>
+                                        <p:cTn id="6" dur="1" fill="hold">
+                                          <p:stCondLst>
+                                            <p:cond delay="0"/>
+                                          </p:stCondLst>
+                                        </p:cTn>
+                                        <p:tgtEl>
+                                          <p:spTgt spid="2">
+                                            <p:txEl>
+                                              <p:pRg st="0" end="0"/>
+                                            </p:txEl>
+                                          </p:spTgt>
+                                        </p:tgtEl>
+                                        <p:attrNameLst>
+                                          <p:attrName>style.visibility</p:attrName>
+                                        </p:attrNameLst>
+                                      </p:cBhvr>
+                                      <p:to>
+                                        <p:strVal val="visible"/>
+                                      </p:to>
+                                    </p:set>
+                                  </p:childTnLst>
+                                </p:cTn>
+                              </p:par>
+                              <p:par>
+                                <p:cTn id="7" presetID="1" presetClass="entr" presetSubtype="0" fill="hold" nodeType="withEffect">
+                                  <p:stCondLst>
+                                    <p:cond delay="0"/>
+                                  </p:stCondLst>
+                                  <p:childTnLst>
+                                    <p:set>
+                                      <p:cBhvr>
+                                        <p:cTn id="8" dur="1" fill="hold">
+                                          <p:stCondLst>
+                                            <p:cond delay="0"/>
+                                          </p:stCondLst>
+                                        </p:cTn>
+                                        <p:tgtEl>
+                                          <p:spTgt spid="2">
+                                            <p:txEl>
+                                              <p:pRg st="1" end="1"/>
+                                            </p:txEl>
+                                          </p:spTgt>
+                                        </p:tgtEl>
+                                        <p:attrNameLst>
+                                          <p:attrName>style.visibility</p:attrName>
+                                        </p:attrNameLst>
+                                      </p:cBhvr>
+                                      <p:to>
+                                        <p:strVal val="visible"/>
+                                      </p:to>
+                                    </p:set>
+                                  </p:childTnLst>
+                                </p:cTn>
+                              </p:par>
+                              <p:par>
+                                <p:cTn id="9" presetID="1" presetClass="entr" presetSubtype="0" fill="hold" nodeType="withEffect">
+                                  <p:stCondLst>
+                                    <p:cond delay="0"/>
+                                  </p:stCondLst>
+                                  <p:childTnLst>
+                                    <p:set>
+                                      <p:cBhvr>
+                                        <p:cTn id="10" dur="1" fill="hold">
+                                          <p:stCondLst>
+                                            <p:cond delay="0"/>
+                                          </p:stCondLst>
+                                        </p:cTn>
+                                        <p:tgtEl>
+                                          <p:spTgt spid="2">
+                                            <p:txEl>
+                                              <p:pRg st="2" end="2"/>
+                                            </p:txEl>
+                                          </p:spTgt>
+                                        </p:tgtEl>
+                                        <p:attrNameLst>
+                                          <p:attrName>style.visibility</p:attrName>
+                                        </p:attrNameLst>
+                                      </p:cBhvr>
+                                      <p:to>
+                                        <p:strVal val="visible"/>
+                                      </p:to>
+                                    </p:set>
+                                  </p:childTnLst>
+                                </p:cTn>
+                              </p:par>
+                            </p:childTnLst>
+                          </p:cTn>
+                        </p:par>
+                      </p:childTnLst>
+                    </p:cTn>
+                  </p:par>
+                  <p:par>
+                    <p:cTn id="11" fill="hold">
+                      <p:stCondLst>
+                        <p:cond delay="indefinite"/>
+                      </p:stCondLst>
+                      <p:childTnLst>
+                        <p:par>
+                          <p:cTn id="12" fill="hold">
+                            <p:stCondLst>
+                              <p:cond delay="0"/>
+                            </p:stCondLst>
+                            <p:childTnLst>
+                              <p:par>
+                                <p:cTn id="13" presetID="1" presetClass="entr" presetSubtype="0" fill="hold" nodeType="clickEffect">
+                                  <p:stCondLst>
+                                    <p:cond delay="0"/>
+                                  </p:stCondLst>
+                                  <p:childTnLst>
+                                    <p:set>
+                                      <p:cBhvr>
+                                        <p:cTn id="14" dur="1" fill="hold">
+                                          <p:stCondLst>
+                                            <p:cond delay="0"/>
+                                          </p:stCondLst>
+                                        </p:cTn>
+                                        <p:tgtEl>
+                                          <p:spTgt spid="2">
+                                            <p:txEl>
+                                              <p:pRg st="2" end="2"/>
+                                            </p:txEl>
+                                          </p:spTgt>
+                                        </p:tgtEl>
+                                        <p:attrNameLst>
+                                          <p:attrName>style.visibility</p:attrName>
+                                        </p:attrNameLst>
+                                      </p:cBhvr>
+                                      <p:to>
+                                        <p:strVal val="visible"/>
+                                      </p:to>
+                                    </p:set>
+                                  </p:childTnLst>
+                                </p:cTn>
+                              </p:par>
+                              <p:par>
+                                <p:cTn id="15" presetID="1" presetClass="entr" presetSubtype="0" fill="hold" nodeType="withEffect">
+                                  <p:stCondLst>
+                                    <p:cond delay="0"/>
+                                  </p:stCondLst>
+                                  <p:childTnLst>
+                                    <p:set>
+                                      <p:cBhvr>
+                                        <p:cTn id="16" dur="1" fill="hold">
+                                          <p:stCondLst>
+                                            <p:cond delay="0"/>
+                                          </p:stCondLst>
+                                        </p:cTn>
+                                        <p:tgtEl>
+                                          <p:spTgt spid="2">
+                                            <p:txEl>
+                                              <p:pRg st="3" end="3"/>
+                                            </p:txEl>
+                                          </p:spTgt>
+                                        </p:tgtEl>
+                                        <p:attrNameLst>
+                                          <p:attrName>style.visibility</p:attrName>
+                                        </p:attrNameLst>
+                                      </p:cBhvr>
+                                      <p:to>
+                                        <p:strVal val="visible"/>
+                                      </p:to>
+                                    </p:set>
+                                  </p:childTnLst>
+                                </p:cTn>
+                              </p:par>
+                            </p:childTnLst>
+                          </p:cTn>
+                        </p:par>
+                      </p:childTnLst>
+                    </p:cTn>
+                  </p:par>
+                  <p:par>
+                    <p:cTn id="17" fill="hold">
+                      <p:stCondLst>
+                        <p:cond delay="indefinite"/>
+                      </p:stCondLst>
+                      <p:childTnLst>
+                        <p:par>
+                          <p:cTn id="18" fill="hold">
+                            <p:stCondLst>
+                              <p:cond delay="0"/>
+                            </p:stCondLst>
+                            <p:childTnLst>
+                              <p:par>
+                                <p:cTn id="19" presetID="1" presetClass="entr" presetSubtype="0" fill="hold" nodeType="clickEffect">
+                                  <p:stCondLst>
+                                    <p:cond delay="0"/>
+                                  </p:stCondLst>
+                                  <p:childTnLst>
+                                    <p:set>
+                                      <p:cBhvr>
+                                        <p:cTn id="20" dur="1" fill="hold">
+                                          <p:stCondLst>
+                                            <p:cond delay="0"/>
+                                          </p:stCondLst>
+                                        </p:cTn>
+                                        <p:tgtEl>
+                                          <p:spTgt spid="2">
+                                            <p:txEl>
+                                              <p:pRg st="4" end="4"/>
+                                            </p:txEl>
+                                          </p:spTgt>
+                                        </p:tgtEl>
+                                        <p:attrNameLst>
+                                          <p:attrName>style.visibility</p:attrName>
+                                        </p:attrNameLst>
+                                      </p:cBhvr>
+                                      <p:to>
+                                        <p:strVal val="visible"/>
+                                      </p:to>
+                                    </p:set>
+                                  </p:childTnLst>
+                                </p:cTn>
+                              </p:par>
+                            </p:childTnLst>
+                          </p:cTn>
+                        </p:par>
+                      </p:childTnLst>
+                    </p:cTn>
+                  </p:par>
+                  <p:par>
+                    <p:cTn id="21" fill="hold">
+                      <p:stCondLst>
+                        <p:cond delay="indefinite"/>
+                      </p:stCondLst>
+                      <p:childTnLst>
+                        <p:par>
+                          <p:cTn id="22" fill="hold">
+                            <p:stCondLst>
+                              <p:cond delay="0"/>
+                            </p:stCondLst>
+                            <p:childTnLst>
+                              <p:par>
+                                <p:cTn id="23" presetID="1" presetClass="entr" presetSubtype="0" fill="hold" nodeType="clickEffect">
+                                  <p:stCondLst>
+                                    <p:cond delay="0"/>
+                                  </p:stCondLst>
+                                  <p:childTnLst>
+                                    <p:set>
+                                      <p:cBhvr>
+                                        <p:cTn id="24" dur="1" fill="hold">
+                                          <p:stCondLst>
+                                            <p:cond delay="0"/>
+                                          </p:stCondLst>
+                                        </p:cTn>
+                                        <p:tgtEl>
+                                          <p:spTgt spid="2">
+                                            <p:txEl>
+                                              <p:pRg st="5" end="5"/>
+                                            </p:txEl>
+                                          </p:spTgt>
+                                        </p:tgtEl>
+                                        <p:attrNameLst>
+                                          <p:attrName>style.visibility</p:attrName>
+                                        </p:attrNameLst>
+                                      </p:cBhvr>
+                                      <p:to>
+                                        <p:strVal val="visible"/>
+                                      </p:to>
+                                    </p:set>
+                                  </p:childTnLst>
+                                </p:cTn>
+                              </p:par>
+                            </p:childTnLst>
+                          </p:cTn>
+                        </p:par>
+                      </p:childTnLst>
+                    </p:cTn>
+                  </p:par>
+                </p:childTnLst>
+              </p:cTn>
+              <p:prevCondLst>
+                <p:cond evt="onPrev" delay="0">
+                  <p:tgtEl>
+                    <p:sldTgt/>
+                  </p:tgtEl>
+                </p:cond>
+              </p:prevCondLst>
+              <p:nextCondLst>
+                <p:cond evt="onNext" delay="0">
+                  <p:tgtEl>
+                    <p:sldTgt/>
+                  </p:tgtEl>
+                </p:cond>
+              </p:nextCondLst>
+            </p:seq>
+          </p:childTnLst>
+        </p:cTn>
       </p:par>
     </p:tnLst>
   </p:timing>
@@ -6931,8 +8217,68 @@
           <a:p>
             <a:r>
               <a:rPr lang="en-US" dirty="0" smtClean="0"/>
-              <a:t>Capturing generalized search results</a:t>
-            </a:r>
+              <a:t>Jones et. al 2006</a:t>
+            </a:r>
+          </a:p>
+          <a:p>
+            <a:pPr lvl="1"/>
+            <a:r>
+              <a:rPr lang="en-US" dirty="0" smtClean="0"/>
+              <a:t>Substituting parts of a query.</a:t>
+            </a:r>
+          </a:p>
+          <a:p>
+            <a:pPr lvl="1"/>
+            <a:r>
+              <a:rPr lang="en-US" dirty="0" smtClean="0"/>
+              <a:t>Comprehensive analysis </a:t>
+            </a:r>
+            <a:r>
+              <a:rPr lang="en-US" dirty="0" smtClean="0"/>
+              <a:t>– Various relations of reformulation to original query.</a:t>
+            </a:r>
+          </a:p>
+          <a:p>
+            <a:pPr lvl="1"/>
+            <a:r>
+              <a:rPr lang="en-US" dirty="0" smtClean="0"/>
+              <a:t>Precise </a:t>
+            </a:r>
+            <a:r>
+              <a:rPr lang="en-US" dirty="0" smtClean="0"/>
+              <a:t>rewrite – </a:t>
+            </a:r>
+            <a:r>
+              <a:rPr lang="en-US" dirty="0" smtClean="0"/>
+              <a:t>syntax/spelling change</a:t>
+            </a:r>
+          </a:p>
+          <a:p>
+            <a:pPr lvl="1"/>
+            <a:r>
+              <a:rPr lang="en-US" dirty="0" smtClean="0"/>
+              <a:t>Approximate rewrite – Broaden/Specialize</a:t>
+            </a:r>
+            <a:endParaRPr lang="en-US" dirty="0" smtClean="0"/>
+          </a:p>
+          <a:p>
+            <a:pPr lvl="1"/>
+            <a:r>
+              <a:rPr lang="en-US" sz="2300" dirty="0" smtClean="0"/>
+              <a:t>Possible rewrite</a:t>
+            </a:r>
+            <a:r>
+              <a:rPr lang="en-US" sz="2300" dirty="0" smtClean="0"/>
+              <a:t> – Some other association relation</a:t>
+            </a:r>
+          </a:p>
+          <a:p>
+            <a:pPr lvl="1"/>
+            <a:r>
+              <a:rPr lang="en-US" sz="2300" dirty="0" smtClean="0"/>
+              <a:t>Unrelated in semantics (disambiguation)</a:t>
+            </a:r>
+            <a:endParaRPr lang="en-US" sz="2300" dirty="0"/>
           </a:p>
         </p:txBody>
       </p:sp>
@@ -6953,7 +8299,7 @@
           <a:p>
             <a:r>
               <a:rPr lang="en-US" dirty="0" smtClean="0"/>
-              <a:t>Step 4</a:t>
+              <a:t>Reformulating queries</a:t>
             </a:r>
             <a:endParaRPr lang="en-US" dirty="0"/>
           </a:p>
@@ -8503,10 +9849,83 @@
         </p:nvSpPr>
         <p:spPr/>
         <p:txBody>
-          <a:bodyPr/>
+          <a:bodyPr>
+            <a:normAutofit/>
+          </a:bodyPr>
           <a:lstStyle/>
           <a:p>
-            <a:endParaRPr lang="en-US" dirty="0"/>
+            <a:r>
+              <a:rPr lang="en-US" sz="2600" dirty="0" smtClean="0">
+                <a:latin typeface="Arial" pitchFamily="34" charset="0"/>
+                <a:cs typeface="Arial" pitchFamily="34" charset="0"/>
+              </a:rPr>
+              <a:t>Non-capture by earlier steps</a:t>
+            </a:r>
+          </a:p>
+          <a:p>
+            <a:r>
+              <a:rPr lang="en-US" sz="2600" dirty="0" err="1" smtClean="0">
+                <a:latin typeface="Arial" pitchFamily="34" charset="0"/>
+                <a:cs typeface="Arial" pitchFamily="34" charset="0"/>
+              </a:rPr>
+              <a:t>Eg</a:t>
+            </a:r>
+            <a:r>
+              <a:rPr lang="en-US" sz="2600" dirty="0" smtClean="0">
+                <a:latin typeface="Arial" pitchFamily="34" charset="0"/>
+                <a:cs typeface="Arial" pitchFamily="34" charset="0"/>
+              </a:rPr>
+              <a:t>. “Orange County Convention Center”</a:t>
+            </a:r>
+          </a:p>
+          <a:p>
+            <a:pPr lvl="1"/>
+            <a:r>
+              <a:rPr lang="en-US" sz="2600" dirty="0" smtClean="0">
+                <a:latin typeface="Arial" pitchFamily="34" charset="0"/>
+                <a:cs typeface="Arial" pitchFamily="34" charset="0"/>
+              </a:rPr>
+              <a:t>Step 3 substitutes for Orange County</a:t>
+            </a:r>
+          </a:p>
+          <a:p>
+            <a:r>
+              <a:rPr lang="en-US" sz="2600" dirty="0" smtClean="0">
+                <a:latin typeface="Arial" pitchFamily="34" charset="0"/>
+                <a:cs typeface="Arial" pitchFamily="34" charset="0"/>
+              </a:rPr>
+              <a:t>Although, not incorrect when specific information is available, it could be  inappropriate to deviate.</a:t>
+            </a:r>
+          </a:p>
+          <a:p>
+            <a:r>
+              <a:rPr lang="en-US" sz="2600" dirty="0" smtClean="0">
+                <a:latin typeface="Arial" pitchFamily="34" charset="0"/>
+                <a:cs typeface="Arial" pitchFamily="34" charset="0"/>
+              </a:rPr>
+              <a:t>Diversity limited by data sources.</a:t>
+            </a:r>
+          </a:p>
+          <a:p>
+            <a:pPr lvl="1"/>
+            <a:r>
+              <a:rPr lang="en-US" sz="2600" dirty="0" err="1" smtClean="0">
+                <a:latin typeface="Arial" pitchFamily="34" charset="0"/>
+                <a:cs typeface="Arial" pitchFamily="34" charset="0"/>
+              </a:rPr>
+              <a:t>Eg</a:t>
+            </a:r>
+            <a:r>
+              <a:rPr lang="en-US" sz="2600" dirty="0" smtClean="0">
+                <a:latin typeface="Arial" pitchFamily="34" charset="0"/>
+                <a:cs typeface="Arial" pitchFamily="34" charset="0"/>
+              </a:rPr>
+              <a:t>. Acronyms list is not exhaustive in Wikipedia</a:t>
+            </a:r>
+            <a:endParaRPr lang="en-US" sz="2600" dirty="0">
+              <a:latin typeface="Arial" pitchFamily="34" charset="0"/>
+              <a:cs typeface="Arial" pitchFamily="34" charset="0"/>
+            </a:endParaRPr>
           </a:p>
         </p:txBody>
       </p:sp>
@@ -8553,7 +9972,288 @@
   <p:timing>
     <p:tnLst>
       <p:par>
-        <p:cTn id="1" dur="indefinite" restart="never" nodeType="tmRoot"/>
+        <p:cTn id="1" dur="indefinite" restart="never" nodeType="tmRoot">
+          <p:childTnLst>
+            <p:seq concurrent="1" nextAc="seek">
+              <p:cTn id="2" dur="indefinite" nodeType="mainSeq">
+                <p:childTnLst>
+                  <p:par>
+                    <p:cTn id="3" fill="hold">
+                      <p:stCondLst>
+                        <p:cond delay="indefinite"/>
+                      </p:stCondLst>
+                      <p:childTnLst>
+                        <p:par>
+                          <p:cTn id="4" fill="hold">
+                            <p:stCondLst>
+                              <p:cond delay="0"/>
+                            </p:stCondLst>
+                            <p:childTnLst>
+                              <p:par>
+                                <p:cTn id="5" presetID="1" presetClass="entr" presetSubtype="0" fill="hold" nodeType="clickEffect">
+                                  <p:stCondLst>
+                                    <p:cond delay="0"/>
+                                  </p:stCondLst>
+                                  <p:childTnLst>
+                                    <p:set>
+                                      <p:cBhvr>
+                                        <p:cTn id="6" dur="1" fill="hold">
+                                          <p:stCondLst>
+                                            <p:cond delay="0"/>
+                                          </p:stCondLst>
+                                        </p:cTn>
+                                        <p:tgtEl>
+                                          <p:spTgt spid="2">
+                                            <p:txEl>
+                                              <p:pRg st="0" end="0"/>
+                                            </p:txEl>
+                                          </p:spTgt>
+                                        </p:tgtEl>
+                                        <p:attrNameLst>
+                                          <p:attrName>style.visibility</p:attrName>
+                                        </p:attrNameLst>
+                                      </p:cBhvr>
+                                      <p:to>
+                                        <p:strVal val="visible"/>
+                                      </p:to>
+                                    </p:set>
+                                  </p:childTnLst>
+                                </p:cTn>
+                              </p:par>
+                            </p:childTnLst>
+                          </p:cTn>
+                        </p:par>
+                      </p:childTnLst>
+                    </p:cTn>
+                  </p:par>
+                  <p:par>
+                    <p:cTn id="7" fill="hold">
+                      <p:stCondLst>
+                        <p:cond delay="indefinite"/>
+                      </p:stCondLst>
+                      <p:childTnLst>
+                        <p:par>
+                          <p:cTn id="8" fill="hold">
+                            <p:stCondLst>
+                              <p:cond delay="0"/>
+                            </p:stCondLst>
+                            <p:childTnLst>
+                              <p:par>
+                                <p:cTn id="9" presetID="1" presetClass="entr" presetSubtype="0" fill="hold" nodeType="clickEffect">
+                                  <p:stCondLst>
+                                    <p:cond delay="0"/>
+                                  </p:stCondLst>
+                                  <p:childTnLst>
+                                    <p:set>
+                                      <p:cBhvr>
+                                        <p:cTn id="10" dur="1" fill="hold">
+                                          <p:stCondLst>
+                                            <p:cond delay="0"/>
+                                          </p:stCondLst>
+                                        </p:cTn>
+                                        <p:tgtEl>
+                                          <p:spTgt spid="2">
+                                            <p:txEl>
+                                              <p:pRg st="1" end="1"/>
+                                            </p:txEl>
+                                          </p:spTgt>
+                                        </p:tgtEl>
+                                        <p:attrNameLst>
+                                          <p:attrName>style.visibility</p:attrName>
+                                        </p:attrNameLst>
+                                      </p:cBhvr>
+                                      <p:to>
+                                        <p:strVal val="visible"/>
+                                      </p:to>
+                                    </p:set>
+                                  </p:childTnLst>
+                                </p:cTn>
+                              </p:par>
+                              <p:par>
+                                <p:cTn id="11" presetID="1" presetClass="entr" presetSubtype="0" fill="hold" nodeType="withEffect">
+                                  <p:stCondLst>
+                                    <p:cond delay="0"/>
+                                  </p:stCondLst>
+                                  <p:childTnLst>
+                                    <p:set>
+                                      <p:cBhvr>
+                                        <p:cTn id="12" dur="1" fill="hold">
+                                          <p:stCondLst>
+                                            <p:cond delay="0"/>
+                                          </p:stCondLst>
+                                        </p:cTn>
+                                        <p:tgtEl>
+                                          <p:spTgt spid="2">
+                                            <p:txEl>
+                                              <p:pRg st="2" end="2"/>
+                                            </p:txEl>
+                                          </p:spTgt>
+                                        </p:tgtEl>
+                                        <p:attrNameLst>
+                                          <p:attrName>style.visibility</p:attrName>
+                                        </p:attrNameLst>
+                                      </p:cBhvr>
+                                      <p:to>
+                                        <p:strVal val="visible"/>
+                                      </p:to>
+                                    </p:set>
+                                  </p:childTnLst>
+                                </p:cTn>
+                              </p:par>
+                            </p:childTnLst>
+                          </p:cTn>
+                        </p:par>
+                      </p:childTnLst>
+                    </p:cTn>
+                  </p:par>
+                  <p:par>
+                    <p:cTn id="13" fill="hold">
+                      <p:stCondLst>
+                        <p:cond delay="indefinite"/>
+                      </p:stCondLst>
+                      <p:childTnLst>
+                        <p:par>
+                          <p:cTn id="14" fill="hold">
+                            <p:stCondLst>
+                              <p:cond delay="0"/>
+                            </p:stCondLst>
+                            <p:childTnLst>
+                              <p:par>
+                                <p:cTn id="15" presetID="1" presetClass="entr" presetSubtype="0" fill="hold" nodeType="clickEffect">
+                                  <p:stCondLst>
+                                    <p:cond delay="0"/>
+                                  </p:stCondLst>
+                                  <p:childTnLst>
+                                    <p:set>
+                                      <p:cBhvr>
+                                        <p:cTn id="16" dur="1" fill="hold">
+                                          <p:stCondLst>
+                                            <p:cond delay="0"/>
+                                          </p:stCondLst>
+                                        </p:cTn>
+                                        <p:tgtEl>
+                                          <p:spTgt spid="2">
+                                            <p:txEl>
+                                              <p:pRg st="3" end="3"/>
+                                            </p:txEl>
+                                          </p:spTgt>
+                                        </p:tgtEl>
+                                        <p:attrNameLst>
+                                          <p:attrName>style.visibility</p:attrName>
+                                        </p:attrNameLst>
+                                      </p:cBhvr>
+                                      <p:to>
+                                        <p:strVal val="visible"/>
+                                      </p:to>
+                                    </p:set>
+                                  </p:childTnLst>
+                                </p:cTn>
+                              </p:par>
+                            </p:childTnLst>
+                          </p:cTn>
+                        </p:par>
+                      </p:childTnLst>
+                    </p:cTn>
+                  </p:par>
+                  <p:par>
+                    <p:cTn id="17" fill="hold">
+                      <p:stCondLst>
+                        <p:cond delay="indefinite"/>
+                      </p:stCondLst>
+                      <p:childTnLst>
+                        <p:par>
+                          <p:cTn id="18" fill="hold">
+                            <p:stCondLst>
+                              <p:cond delay="0"/>
+                            </p:stCondLst>
+                            <p:childTnLst>
+                              <p:par>
+                                <p:cTn id="19" presetID="1" presetClass="entr" presetSubtype="0" fill="hold" nodeType="clickEffect">
+                                  <p:stCondLst>
+                                    <p:cond delay="0"/>
+                                  </p:stCondLst>
+                                  <p:childTnLst>
+                                    <p:set>
+                                      <p:cBhvr>
+                                        <p:cTn id="20" dur="1" fill="hold">
+                                          <p:stCondLst>
+                                            <p:cond delay="0"/>
+                                          </p:stCondLst>
+                                        </p:cTn>
+                                        <p:tgtEl>
+                                          <p:spTgt spid="2">
+                                            <p:txEl>
+                                              <p:pRg st="4" end="4"/>
+                                            </p:txEl>
+                                          </p:spTgt>
+                                        </p:tgtEl>
+                                        <p:attrNameLst>
+                                          <p:attrName>style.visibility</p:attrName>
+                                        </p:attrNameLst>
+                                      </p:cBhvr>
+                                      <p:to>
+                                        <p:strVal val="visible"/>
+                                      </p:to>
+                                    </p:set>
+                                  </p:childTnLst>
+                                </p:cTn>
+                              </p:par>
+                              <p:par>
+                                <p:cTn id="21" presetID="1" presetClass="entr" presetSubtype="0" fill="hold" nodeType="withEffect">
+                                  <p:stCondLst>
+                                    <p:cond delay="0"/>
+                                  </p:stCondLst>
+                                  <p:childTnLst>
+                                    <p:set>
+                                      <p:cBhvr>
+                                        <p:cTn id="22" dur="1" fill="hold">
+                                          <p:stCondLst>
+                                            <p:cond delay="0"/>
+                                          </p:stCondLst>
+                                        </p:cTn>
+                                        <p:tgtEl>
+                                          <p:spTgt spid="2">
+                                            <p:txEl>
+                                              <p:pRg st="5" end="5"/>
+                                            </p:txEl>
+                                          </p:spTgt>
+                                        </p:tgtEl>
+                                        <p:attrNameLst>
+                                          <p:attrName>style.visibility</p:attrName>
+                                        </p:attrNameLst>
+                                      </p:cBhvr>
+                                      <p:to>
+                                        <p:strVal val="visible"/>
+                                      </p:to>
+                                    </p:set>
+                                  </p:childTnLst>
+                                </p:cTn>
+                              </p:par>
+                            </p:childTnLst>
+                          </p:cTn>
+                        </p:par>
+                      </p:childTnLst>
+                    </p:cTn>
+                  </p:par>
+                </p:childTnLst>
+              </p:cTn>
+              <p:prevCondLst>
+                <p:cond evt="onPrev" delay="0">
+                  <p:tgtEl>
+                    <p:sldTgt/>
+                  </p:tgtEl>
+                </p:cond>
+              </p:prevCondLst>
+              <p:nextCondLst>
+                <p:cond evt="onNext" delay="0">
+                  <p:tgtEl>
+                    <p:sldTgt/>
+                  </p:tgtEl>
+                </p:cond>
+              </p:nextCondLst>
+            </p:seq>
+          </p:childTnLst>
+        </p:cTn>
       </p:par>
     </p:tnLst>
   </p:timing>
@@ -10709,7 +12409,471 @@
   <p:timing>
     <p:tnLst>
       <p:par>
-        <p:cTn id="1" dur="indefinite" restart="never" nodeType="tmRoot"/>
+        <p:cTn id="1" dur="indefinite" restart="never" nodeType="tmRoot">
+          <p:childTnLst>
+            <p:seq concurrent="1" nextAc="seek">
+              <p:cTn id="2" dur="indefinite" nodeType="mainSeq">
+                <p:childTnLst>
+                  <p:par>
+                    <p:cTn id="3" fill="hold">
+                      <p:stCondLst>
+                        <p:cond delay="indefinite"/>
+                      </p:stCondLst>
+                      <p:childTnLst>
+                        <p:par>
+                          <p:cTn id="4" fill="hold">
+                            <p:stCondLst>
+                              <p:cond delay="0"/>
+                            </p:stCondLst>
+                            <p:childTnLst>
+                              <p:par>
+                                <p:cTn id="5" presetID="1" presetClass="entr" presetSubtype="0" fill="hold" nodeType="clickEffect">
+                                  <p:stCondLst>
+                                    <p:cond delay="0"/>
+                                  </p:stCondLst>
+                                  <p:childTnLst>
+                                    <p:set>
+                                      <p:cBhvr>
+                                        <p:cTn id="6" dur="1" fill="hold">
+                                          <p:stCondLst>
+                                            <p:cond delay="0"/>
+                                          </p:stCondLst>
+                                        </p:cTn>
+                                        <p:tgtEl>
+                                          <p:spTgt spid="2">
+                                            <p:txEl>
+                                              <p:pRg st="0" end="0"/>
+                                            </p:txEl>
+                                          </p:spTgt>
+                                        </p:tgtEl>
+                                        <p:attrNameLst>
+                                          <p:attrName>style.visibility</p:attrName>
+                                        </p:attrNameLst>
+                                      </p:cBhvr>
+                                      <p:to>
+                                        <p:strVal val="visible"/>
+                                      </p:to>
+                                    </p:set>
+                                  </p:childTnLst>
+                                </p:cTn>
+                              </p:par>
+                            </p:childTnLst>
+                          </p:cTn>
+                        </p:par>
+                      </p:childTnLst>
+                    </p:cTn>
+                  </p:par>
+                  <p:par>
+                    <p:cTn id="7" fill="hold">
+                      <p:stCondLst>
+                        <p:cond delay="indefinite"/>
+                      </p:stCondLst>
+                      <p:childTnLst>
+                        <p:par>
+                          <p:cTn id="8" fill="hold">
+                            <p:stCondLst>
+                              <p:cond delay="0"/>
+                            </p:stCondLst>
+                            <p:childTnLst>
+                              <p:par>
+                                <p:cTn id="9" presetID="1" presetClass="entr" presetSubtype="0" fill="hold" nodeType="clickEffect">
+                                  <p:stCondLst>
+                                    <p:cond delay="0"/>
+                                  </p:stCondLst>
+                                  <p:childTnLst>
+                                    <p:set>
+                                      <p:cBhvr>
+                                        <p:cTn id="10" dur="1" fill="hold">
+                                          <p:stCondLst>
+                                            <p:cond delay="0"/>
+                                          </p:stCondLst>
+                                        </p:cTn>
+                                        <p:tgtEl>
+                                          <p:spTgt spid="2">
+                                            <p:txEl>
+                                              <p:pRg st="1" end="1"/>
+                                            </p:txEl>
+                                          </p:spTgt>
+                                        </p:tgtEl>
+                                        <p:attrNameLst>
+                                          <p:attrName>style.visibility</p:attrName>
+                                        </p:attrNameLst>
+                                      </p:cBhvr>
+                                      <p:to>
+                                        <p:strVal val="visible"/>
+                                      </p:to>
+                                    </p:set>
+                                  </p:childTnLst>
+                                </p:cTn>
+                              </p:par>
+                            </p:childTnLst>
+                          </p:cTn>
+                        </p:par>
+                      </p:childTnLst>
+                    </p:cTn>
+                  </p:par>
+                  <p:par>
+                    <p:cTn id="11" fill="hold">
+                      <p:stCondLst>
+                        <p:cond delay="indefinite"/>
+                      </p:stCondLst>
+                      <p:childTnLst>
+                        <p:par>
+                          <p:cTn id="12" fill="hold">
+                            <p:stCondLst>
+                              <p:cond delay="0"/>
+                            </p:stCondLst>
+                            <p:childTnLst>
+                              <p:par>
+                                <p:cTn id="13" presetID="1" presetClass="entr" presetSubtype="0" fill="hold" nodeType="clickEffect">
+                                  <p:stCondLst>
+                                    <p:cond delay="0"/>
+                                  </p:stCondLst>
+                                  <p:childTnLst>
+                                    <p:set>
+                                      <p:cBhvr>
+                                        <p:cTn id="14" dur="1" fill="hold">
+                                          <p:stCondLst>
+                                            <p:cond delay="0"/>
+                                          </p:stCondLst>
+                                        </p:cTn>
+                                        <p:tgtEl>
+                                          <p:spTgt spid="2">
+                                            <p:txEl>
+                                              <p:pRg st="2" end="2"/>
+                                            </p:txEl>
+                                          </p:spTgt>
+                                        </p:tgtEl>
+                                        <p:attrNameLst>
+                                          <p:attrName>style.visibility</p:attrName>
+                                        </p:attrNameLst>
+                                      </p:cBhvr>
+                                      <p:to>
+                                        <p:strVal val="visible"/>
+                                      </p:to>
+                                    </p:set>
+                                  </p:childTnLst>
+                                </p:cTn>
+                              </p:par>
+                            </p:childTnLst>
+                          </p:cTn>
+                        </p:par>
+                      </p:childTnLst>
+                    </p:cTn>
+                  </p:par>
+                  <p:par>
+                    <p:cTn id="15" fill="hold">
+                      <p:stCondLst>
+                        <p:cond delay="indefinite"/>
+                      </p:stCondLst>
+                      <p:childTnLst>
+                        <p:par>
+                          <p:cTn id="16" fill="hold">
+                            <p:stCondLst>
+                              <p:cond delay="0"/>
+                            </p:stCondLst>
+                            <p:childTnLst>
+                              <p:par>
+                                <p:cTn id="17" presetID="1" presetClass="entr" presetSubtype="0" fill="hold" nodeType="clickEffect">
+                                  <p:stCondLst>
+                                    <p:cond delay="0"/>
+                                  </p:stCondLst>
+                                  <p:childTnLst>
+                                    <p:set>
+                                      <p:cBhvr>
+                                        <p:cTn id="18" dur="1" fill="hold">
+                                          <p:stCondLst>
+                                            <p:cond delay="0"/>
+                                          </p:stCondLst>
+                                        </p:cTn>
+                                        <p:tgtEl>
+                                          <p:spTgt spid="2">
+                                            <p:txEl>
+                                              <p:pRg st="3" end="3"/>
+                                            </p:txEl>
+                                          </p:spTgt>
+                                        </p:tgtEl>
+                                        <p:attrNameLst>
+                                          <p:attrName>style.visibility</p:attrName>
+                                        </p:attrNameLst>
+                                      </p:cBhvr>
+                                      <p:to>
+                                        <p:strVal val="visible"/>
+                                      </p:to>
+                                    </p:set>
+                                  </p:childTnLst>
+                                </p:cTn>
+                              </p:par>
+                            </p:childTnLst>
+                          </p:cTn>
+                        </p:par>
+                      </p:childTnLst>
+                    </p:cTn>
+                  </p:par>
+                  <p:par>
+                    <p:cTn id="19" fill="hold">
+                      <p:stCondLst>
+                        <p:cond delay="indefinite"/>
+                      </p:stCondLst>
+                      <p:childTnLst>
+                        <p:par>
+                          <p:cTn id="20" fill="hold">
+                            <p:stCondLst>
+                              <p:cond delay="0"/>
+                            </p:stCondLst>
+                            <p:childTnLst>
+                              <p:par>
+                                <p:cTn id="21" presetID="1" presetClass="entr" presetSubtype="0" fill="hold" nodeType="clickEffect">
+                                  <p:stCondLst>
+                                    <p:cond delay="0"/>
+                                  </p:stCondLst>
+                                  <p:childTnLst>
+                                    <p:set>
+                                      <p:cBhvr>
+                                        <p:cTn id="22" dur="1" fill="hold">
+                                          <p:stCondLst>
+                                            <p:cond delay="0"/>
+                                          </p:stCondLst>
+                                        </p:cTn>
+                                        <p:tgtEl>
+                                          <p:spTgt spid="2">
+                                            <p:txEl>
+                                              <p:pRg st="4" end="4"/>
+                                            </p:txEl>
+                                          </p:spTgt>
+                                        </p:tgtEl>
+                                        <p:attrNameLst>
+                                          <p:attrName>style.visibility</p:attrName>
+                                        </p:attrNameLst>
+                                      </p:cBhvr>
+                                      <p:to>
+                                        <p:strVal val="visible"/>
+                                      </p:to>
+                                    </p:set>
+                                  </p:childTnLst>
+                                </p:cTn>
+                              </p:par>
+                            </p:childTnLst>
+                          </p:cTn>
+                        </p:par>
+                      </p:childTnLst>
+                    </p:cTn>
+                  </p:par>
+                  <p:par>
+                    <p:cTn id="23" fill="hold">
+                      <p:stCondLst>
+                        <p:cond delay="indefinite"/>
+                      </p:stCondLst>
+                      <p:childTnLst>
+                        <p:par>
+                          <p:cTn id="24" fill="hold">
+                            <p:stCondLst>
+                              <p:cond delay="0"/>
+                            </p:stCondLst>
+                            <p:childTnLst>
+                              <p:par>
+                                <p:cTn id="25" presetID="1" presetClass="entr" presetSubtype="0" fill="hold" nodeType="clickEffect">
+                                  <p:stCondLst>
+                                    <p:cond delay="0"/>
+                                  </p:stCondLst>
+                                  <p:childTnLst>
+                                    <p:set>
+                                      <p:cBhvr>
+                                        <p:cTn id="26" dur="1" fill="hold">
+                                          <p:stCondLst>
+                                            <p:cond delay="0"/>
+                                          </p:stCondLst>
+                                        </p:cTn>
+                                        <p:tgtEl>
+                                          <p:spTgt spid="2">
+                                            <p:txEl>
+                                              <p:pRg st="5" end="5"/>
+                                            </p:txEl>
+                                          </p:spTgt>
+                                        </p:tgtEl>
+                                        <p:attrNameLst>
+                                          <p:attrName>style.visibility</p:attrName>
+                                        </p:attrNameLst>
+                                      </p:cBhvr>
+                                      <p:to>
+                                        <p:strVal val="visible"/>
+                                      </p:to>
+                                    </p:set>
+                                  </p:childTnLst>
+                                </p:cTn>
+                              </p:par>
+                            </p:childTnLst>
+                          </p:cTn>
+                        </p:par>
+                      </p:childTnLst>
+                    </p:cTn>
+                  </p:par>
+                  <p:par>
+                    <p:cTn id="27" fill="hold">
+                      <p:stCondLst>
+                        <p:cond delay="indefinite"/>
+                      </p:stCondLst>
+                      <p:childTnLst>
+                        <p:par>
+                          <p:cTn id="28" fill="hold">
+                            <p:stCondLst>
+                              <p:cond delay="0"/>
+                            </p:stCondLst>
+                            <p:childTnLst>
+                              <p:par>
+                                <p:cTn id="29" presetID="1" presetClass="entr" presetSubtype="0" fill="hold" nodeType="clickEffect">
+                                  <p:stCondLst>
+                                    <p:cond delay="0"/>
+                                  </p:stCondLst>
+                                  <p:childTnLst>
+                                    <p:set>
+                                      <p:cBhvr>
+                                        <p:cTn id="30" dur="1" fill="hold">
+                                          <p:stCondLst>
+                                            <p:cond delay="0"/>
+                                          </p:stCondLst>
+                                        </p:cTn>
+                                        <p:tgtEl>
+                                          <p:spTgt spid="2">
+                                            <p:txEl>
+                                              <p:pRg st="6" end="6"/>
+                                            </p:txEl>
+                                          </p:spTgt>
+                                        </p:tgtEl>
+                                        <p:attrNameLst>
+                                          <p:attrName>style.visibility</p:attrName>
+                                        </p:attrNameLst>
+                                      </p:cBhvr>
+                                      <p:to>
+                                        <p:strVal val="visible"/>
+                                      </p:to>
+                                    </p:set>
+                                  </p:childTnLst>
+                                </p:cTn>
+                              </p:par>
+                            </p:childTnLst>
+                          </p:cTn>
+                        </p:par>
+                      </p:childTnLst>
+                    </p:cTn>
+                  </p:par>
+                  <p:par>
+                    <p:cTn id="31" fill="hold">
+                      <p:stCondLst>
+                        <p:cond delay="indefinite"/>
+                      </p:stCondLst>
+                      <p:childTnLst>
+                        <p:par>
+                          <p:cTn id="32" fill="hold">
+                            <p:stCondLst>
+                              <p:cond delay="0"/>
+                            </p:stCondLst>
+                            <p:childTnLst>
+                              <p:par>
+                                <p:cTn id="33" presetID="1" presetClass="entr" presetSubtype="0" fill="hold" nodeType="clickEffect">
+                                  <p:stCondLst>
+                                    <p:cond delay="0"/>
+                                  </p:stCondLst>
+                                  <p:childTnLst>
+                                    <p:set>
+                                      <p:cBhvr>
+                                        <p:cTn id="34" dur="1" fill="hold">
+                                          <p:stCondLst>
+                                            <p:cond delay="0"/>
+                                          </p:stCondLst>
+                                        </p:cTn>
+                                        <p:tgtEl>
+                                          <p:spTgt spid="2">
+                                            <p:txEl>
+                                              <p:pRg st="7" end="7"/>
+                                            </p:txEl>
+                                          </p:spTgt>
+                                        </p:tgtEl>
+                                        <p:attrNameLst>
+                                          <p:attrName>style.visibility</p:attrName>
+                                        </p:attrNameLst>
+                                      </p:cBhvr>
+                                      <p:to>
+                                        <p:strVal val="visible"/>
+                                      </p:to>
+                                    </p:set>
+                                  </p:childTnLst>
+                                </p:cTn>
+                              </p:par>
+                            </p:childTnLst>
+                          </p:cTn>
+                        </p:par>
+                      </p:childTnLst>
+                    </p:cTn>
+                  </p:par>
+                  <p:par>
+                    <p:cTn id="35" fill="hold">
+                      <p:stCondLst>
+                        <p:cond delay="indefinite"/>
+                      </p:stCondLst>
+                      <p:childTnLst>
+                        <p:par>
+                          <p:cTn id="36" fill="hold">
+                            <p:stCondLst>
+                              <p:cond delay="0"/>
+                            </p:stCondLst>
+                            <p:childTnLst>
+                              <p:par>
+                                <p:cTn id="37" presetID="1" presetClass="entr" presetSubtype="0" fill="hold" nodeType="clickEffect">
+                                  <p:stCondLst>
+                                    <p:cond delay="0"/>
+                                  </p:stCondLst>
+                                  <p:childTnLst>
+                                    <p:set>
+                                      <p:cBhvr>
+                                        <p:cTn id="38" dur="1" fill="hold">
+                                          <p:stCondLst>
+                                            <p:cond delay="0"/>
+                                          </p:stCondLst>
+                                        </p:cTn>
+                                        <p:tgtEl>
+                                          <p:spTgt spid="2">
+                                            <p:txEl>
+                                              <p:pRg st="8" end="8"/>
+                                            </p:txEl>
+                                          </p:spTgt>
+                                        </p:tgtEl>
+                                        <p:attrNameLst>
+                                          <p:attrName>style.visibility</p:attrName>
+                                        </p:attrNameLst>
+                                      </p:cBhvr>
+                                      <p:to>
+                                        <p:strVal val="visible"/>
+                                      </p:to>
+                                    </p:set>
+                                  </p:childTnLst>
+                                </p:cTn>
+                              </p:par>
+                            </p:childTnLst>
+                          </p:cTn>
+                        </p:par>
+                      </p:childTnLst>
+                    </p:cTn>
+                  </p:par>
+                </p:childTnLst>
+              </p:cTn>
+              <p:prevCondLst>
+                <p:cond evt="onPrev" delay="0">
+                  <p:tgtEl>
+                    <p:sldTgt/>
+                  </p:tgtEl>
+                </p:cond>
+              </p:prevCondLst>
+              <p:nextCondLst>
+                <p:cond evt="onNext" delay="0">
+                  <p:tgtEl>
+                    <p:sldTgt/>
+                  </p:tgtEl>
+                </p:cond>
+              </p:nextCondLst>
+            </p:seq>
+          </p:childTnLst>
+        </p:cTn>
       </p:par>
     </p:tnLst>
   </p:timing>
@@ -10755,8 +12919,9 @@
           <a:p>
             <a:r>
               <a:rPr lang="en-US" dirty="0" smtClean="0"/>
-              <a:t>Semantic diversity</a:t>
-            </a:r>
+              <a:t>Diversity based on semantic disambiguation</a:t>
+            </a:r>
+            <a:endParaRPr lang="en-US" dirty="0" smtClean="0"/>
           </a:p>
           <a:p>
             <a:pPr lvl="1">
@@ -10845,7 +13010,155 @@
   <p:timing>
     <p:tnLst>
       <p:par>
-        <p:cTn id="1" dur="indefinite" restart="never" nodeType="tmRoot"/>
+        <p:cTn id="1" dur="indefinite" restart="never" nodeType="tmRoot">
+          <p:childTnLst>
+            <p:seq concurrent="1" nextAc="seek">
+              <p:cTn id="2" dur="indefinite" nodeType="mainSeq">
+                <p:childTnLst>
+                  <p:par>
+                    <p:cTn id="3" fill="hold">
+                      <p:stCondLst>
+                        <p:cond delay="indefinite"/>
+                      </p:stCondLst>
+                      <p:childTnLst>
+                        <p:par>
+                          <p:cTn id="4" fill="hold">
+                            <p:stCondLst>
+                              <p:cond delay="0"/>
+                            </p:stCondLst>
+                            <p:childTnLst>
+                              <p:par>
+                                <p:cTn id="5" presetID="1" presetClass="entr" presetSubtype="0" fill="hold" nodeType="clickEffect">
+                                  <p:stCondLst>
+                                    <p:cond delay="0"/>
+                                  </p:stCondLst>
+                                  <p:childTnLst>
+                                    <p:set>
+                                      <p:cBhvr>
+                                        <p:cTn id="6" dur="1" fill="hold">
+                                          <p:stCondLst>
+                                            <p:cond delay="0"/>
+                                          </p:stCondLst>
+                                        </p:cTn>
+                                        <p:tgtEl>
+                                          <p:spTgt spid="2">
+                                            <p:txEl>
+                                              <p:pRg st="0" end="0"/>
+                                            </p:txEl>
+                                          </p:spTgt>
+                                        </p:tgtEl>
+                                        <p:attrNameLst>
+                                          <p:attrName>style.visibility</p:attrName>
+                                        </p:attrNameLst>
+                                      </p:cBhvr>
+                                      <p:to>
+                                        <p:strVal val="visible"/>
+                                      </p:to>
+                                    </p:set>
+                                  </p:childTnLst>
+                                </p:cTn>
+                              </p:par>
+                            </p:childTnLst>
+                          </p:cTn>
+                        </p:par>
+                      </p:childTnLst>
+                    </p:cTn>
+                  </p:par>
+                  <p:par>
+                    <p:cTn id="7" fill="hold">
+                      <p:stCondLst>
+                        <p:cond delay="indefinite"/>
+                      </p:stCondLst>
+                      <p:childTnLst>
+                        <p:par>
+                          <p:cTn id="8" fill="hold">
+                            <p:stCondLst>
+                              <p:cond delay="0"/>
+                            </p:stCondLst>
+                            <p:childTnLst>
+                              <p:par>
+                                <p:cTn id="9" presetID="1" presetClass="entr" presetSubtype="0" fill="hold" nodeType="clickEffect">
+                                  <p:stCondLst>
+                                    <p:cond delay="0"/>
+                                  </p:stCondLst>
+                                  <p:childTnLst>
+                                    <p:set>
+                                      <p:cBhvr>
+                                        <p:cTn id="10" dur="1" fill="hold">
+                                          <p:stCondLst>
+                                            <p:cond delay="0"/>
+                                          </p:stCondLst>
+                                        </p:cTn>
+                                        <p:tgtEl>
+                                          <p:spTgt spid="2">
+                                            <p:txEl>
+                                              <p:pRg st="1" end="1"/>
+                                            </p:txEl>
+                                          </p:spTgt>
+                                        </p:tgtEl>
+                                        <p:attrNameLst>
+                                          <p:attrName>style.visibility</p:attrName>
+                                        </p:attrNameLst>
+                                      </p:cBhvr>
+                                      <p:to>
+                                        <p:strVal val="visible"/>
+                                      </p:to>
+                                    </p:set>
+                                  </p:childTnLst>
+                                </p:cTn>
+                              </p:par>
+                              <p:par>
+                                <p:cTn id="11" presetID="1" presetClass="entr" presetSubtype="0" fill="hold" nodeType="withEffect">
+                                  <p:stCondLst>
+                                    <p:cond delay="0"/>
+                                  </p:stCondLst>
+                                  <p:childTnLst>
+                                    <p:set>
+                                      <p:cBhvr>
+                                        <p:cTn id="12" dur="1" fill="hold">
+                                          <p:stCondLst>
+                                            <p:cond delay="0"/>
+                                          </p:stCondLst>
+                                        </p:cTn>
+                                        <p:tgtEl>
+                                          <p:spTgt spid="1027"/>
+                                        </p:tgtEl>
+                                        <p:attrNameLst>
+                                          <p:attrName>style.visibility</p:attrName>
+                                        </p:attrNameLst>
+                                      </p:cBhvr>
+                                      <p:to>
+                                        <p:strVal val="visible"/>
+                                      </p:to>
+                                    </p:set>
+                                  </p:childTnLst>
+                                </p:cTn>
+                              </p:par>
+                            </p:childTnLst>
+                          </p:cTn>
+                        </p:par>
+                      </p:childTnLst>
+                    </p:cTn>
+                  </p:par>
+                </p:childTnLst>
+              </p:cTn>
+              <p:prevCondLst>
+                <p:cond evt="onPrev" delay="0">
+                  <p:tgtEl>
+                    <p:sldTgt/>
+                  </p:tgtEl>
+                </p:cond>
+              </p:prevCondLst>
+              <p:nextCondLst>
+                <p:cond evt="onNext" delay="0">
+                  <p:tgtEl>
+                    <p:sldTgt/>
+                  </p:tgtEl>
+                </p:cond>
+              </p:nextCondLst>
+            </p:seq>
+          </p:childTnLst>
+        </p:cTn>
       </p:par>
     </p:tnLst>
   </p:timing>

--- a/doc/Diversification_of _search_results_April_17.pptx
+++ b/doc/Diversification_of _search_results_April_17.pptx
@@ -1,6 +1,6 @@
 
 <file path=ppt/presentation.xml><?xml version="1.0" encoding="utf-8"?>
-<p:presentation xmlns:a="http://schemas.openxmlformats.org/drawingml/2006/main" xmlns:r="http://schemas.openxmlformats.org/officeDocument/2006/relationships" xmlns:p="http://schemas.openxmlformats.org/presentationml/2006/main" saveSubsetFonts="1">
+<p:presentation xmlns:a="http://schemas.openxmlformats.org/drawingml/2006/main" xmlns:r="http://schemas.openxmlformats.org/officeDocument/2006/relationships" xmlns:p="http://schemas.openxmlformats.org/presentationml/2006/main" showSpecialPlsOnTitleSld="0" saveSubsetFonts="1">
   <p:sldMasterIdLst>
     <p:sldMasterId id="2147483660" r:id="rId1"/>
   </p:sldMasterIdLst>
@@ -18,16 +18,16 @@
     <p:sldId id="264" r:id="rId9"/>
     <p:sldId id="260" r:id="rId10"/>
     <p:sldId id="265" r:id="rId11"/>
-    <p:sldId id="271" r:id="rId12"/>
-    <p:sldId id="266" r:id="rId13"/>
-    <p:sldId id="274" r:id="rId14"/>
-    <p:sldId id="275" r:id="rId15"/>
-    <p:sldId id="276" r:id="rId16"/>
-    <p:sldId id="262" r:id="rId17"/>
+    <p:sldId id="262" r:id="rId12"/>
+    <p:sldId id="271" r:id="rId13"/>
+    <p:sldId id="266" r:id="rId14"/>
+    <p:sldId id="274" r:id="rId15"/>
+    <p:sldId id="275" r:id="rId16"/>
+    <p:sldId id="276" r:id="rId17"/>
     <p:sldId id="263" r:id="rId18"/>
     <p:sldId id="268" r:id="rId19"/>
-    <p:sldId id="269" r:id="rId20"/>
-    <p:sldId id="270" r:id="rId21"/>
+    <p:sldId id="270" r:id="rId20"/>
+    <p:sldId id="277" r:id="rId21"/>
   </p:sldIdLst>
   <p:sldSz cx="9144000" cy="6858000" type="screen4x3"/>
   <p:notesSz cx="6858000" cy="9144000"/>
@@ -1068,7 +1068,7 @@
             <a:fld id="{93F9E896-F85B-4354-A1CC-D2D59441015B}" type="slidenum">
               <a:rPr lang="en-US" smtClean="0"/>
               <a:pPr/>
-              <a:t>13</a:t>
+              <a:t>14</a:t>
             </a:fld>
             <a:endParaRPr lang="en-US"/>
           </a:p>
@@ -1439,9 +1439,8 @@
             </a:lvl1pPr>
           </a:lstStyle>
           <a:p>
-            <a:fld id="{1D8BD707-D9CF-40AE-B4C6-C98DA3205C09}" type="datetimeFigureOut">
+            <a:fld id="{7713FF39-B35B-4568-B9E9-9647B451DB27}" type="datetime1">
               <a:rPr lang="en-US" smtClean="0"/>
-              <a:pPr/>
               <a:t>4/17/2013</a:t>
             </a:fld>
             <a:endParaRPr lang="en-US"/>
@@ -1687,9 +1686,8 @@
             </a:lvl1pPr>
           </a:lstStyle>
           <a:p>
-            <a:fld id="{1D8BD707-D9CF-40AE-B4C6-C98DA3205C09}" type="datetimeFigureOut">
+            <a:fld id="{1959E757-B4CA-4FE1-8BCE-877A046C07A5}" type="datetime1">
               <a:rPr lang="en-US" smtClean="0"/>
-              <a:pPr/>
               <a:t>4/17/2013</a:t>
             </a:fld>
             <a:endParaRPr lang="en-US"/>
@@ -1935,9 +1933,8 @@
             </a:lvl1pPr>
           </a:lstStyle>
           <a:p>
-            <a:fld id="{1D8BD707-D9CF-40AE-B4C6-C98DA3205C09}" type="datetimeFigureOut">
+            <a:fld id="{34E5FBE4-5333-4F89-B541-70E86C4A1EF6}" type="datetime1">
               <a:rPr lang="en-US" smtClean="0"/>
-              <a:pPr/>
               <a:t>4/17/2013</a:t>
             </a:fld>
             <a:endParaRPr lang="en-US"/>
@@ -2183,9 +2180,8 @@
             </a:lvl1pPr>
           </a:lstStyle>
           <a:p>
-            <a:fld id="{1D8BD707-D9CF-40AE-B4C6-C98DA3205C09}" type="datetimeFigureOut">
+            <a:fld id="{73E1E771-3444-4682-BD63-91823C2267B0}" type="datetime1">
               <a:rPr lang="en-US" smtClean="0"/>
-              <a:pPr/>
               <a:t>4/17/2013</a:t>
             </a:fld>
             <a:endParaRPr lang="en-US"/>
@@ -2258,12 +2254,16 @@
             </a:lvl1pPr>
           </a:lstStyle>
           <a:p>
+            <a:r>
+              <a:rPr lang="en-US" dirty="0" smtClean="0"/>
+              <a:t>Slide </a:t>
+            </a:r>
             <a:fld id="{B6F15528-21DE-4FAA-801E-634DDDAF4B2B}" type="slidenum">
               <a:rPr lang="en-US" smtClean="0"/>
               <a:pPr/>
               <a:t>‹#›</a:t>
             </a:fld>
-            <a:endParaRPr lang="en-US"/>
+            <a:endParaRPr lang="en-US" dirty="0"/>
           </a:p>
         </p:txBody>
       </p:sp>
@@ -2289,6 +2289,13 @@
       </p:transition>
     </mc:Fallback>
   </mc:AlternateContent>
+  <p:timing>
+    <p:tnLst>
+      <p:par>
+        <p:cTn id="1" dur="indefinite" restart="never" nodeType="tmRoot"/>
+      </p:par>
+    </p:tnLst>
+  </p:timing>
 </p:sldLayout>
 </file>
 
@@ -2443,9 +2450,8 @@
             </a:lvl1pPr>
           </a:lstStyle>
           <a:p>
-            <a:fld id="{1D8BD707-D9CF-40AE-B4C6-C98DA3205C09}" type="datetimeFigureOut">
+            <a:fld id="{9FEBD257-A3A1-44A7-8F01-7141042E0324}" type="datetime1">
               <a:rPr lang="en-US" smtClean="0"/>
-              <a:pPr/>
               <a:t>4/17/2013</a:t>
             </a:fld>
             <a:endParaRPr lang="en-US"/>
@@ -2807,9 +2813,8 @@
             </a:lvl1pPr>
           </a:lstStyle>
           <a:p>
-            <a:fld id="{1D8BD707-D9CF-40AE-B4C6-C98DA3205C09}" type="datetimeFigureOut">
+            <a:fld id="{E5889627-31A6-4BB7-B7FF-43CA182B600F}" type="datetime1">
               <a:rPr lang="en-US" smtClean="0"/>
-              <a:pPr/>
               <a:t>4/17/2013</a:t>
             </a:fld>
             <a:endParaRPr lang="en-US"/>
@@ -3307,9 +3312,8 @@
             </a:lvl1pPr>
           </a:lstStyle>
           <a:p>
-            <a:fld id="{1D8BD707-D9CF-40AE-B4C6-C98DA3205C09}" type="datetimeFigureOut">
+            <a:fld id="{8998C697-0677-4CFC-9F04-75B83AA114C0}" type="datetime1">
               <a:rPr lang="en-US" smtClean="0"/>
-              <a:pPr/>
               <a:t>4/17/2013</a:t>
             </a:fld>
             <a:endParaRPr lang="en-US"/>
@@ -3495,9 +3499,8 @@
             </a:lvl1pPr>
           </a:lstStyle>
           <a:p>
-            <a:fld id="{1D8BD707-D9CF-40AE-B4C6-C98DA3205C09}" type="datetimeFigureOut">
+            <a:fld id="{B2258C96-211E-41EF-9343-CE0120016B31}" type="datetime1">
               <a:rPr lang="en-US" smtClean="0"/>
-              <a:pPr/>
               <a:t>4/17/2013</a:t>
             </a:fld>
             <a:endParaRPr lang="en-US"/>
@@ -3652,9 +3655,8 @@
             </a:lvl1pPr>
           </a:lstStyle>
           <a:p>
-            <a:fld id="{1D8BD707-D9CF-40AE-B4C6-C98DA3205C09}" type="datetimeFigureOut">
+            <a:fld id="{957AAD19-DB06-4BD3-92E3-E98C7E3C3291}" type="datetime1">
               <a:rPr lang="en-US" smtClean="0"/>
-              <a:pPr/>
               <a:t>4/17/2013</a:t>
             </a:fld>
             <a:endParaRPr lang="en-US"/>
@@ -4000,9 +4002,8 @@
             </a:lvl1pPr>
           </a:lstStyle>
           <a:p>
-            <a:fld id="{1D8BD707-D9CF-40AE-B4C6-C98DA3205C09}" type="datetimeFigureOut">
+            <a:fld id="{F0737148-E924-428A-BA3E-5CDA9A3E470F}" type="datetime1">
               <a:rPr lang="en-US" smtClean="0"/>
-              <a:pPr/>
               <a:t>4/17/2013</a:t>
             </a:fld>
             <a:endParaRPr lang="en-US"/>
@@ -4328,9 +4329,8 @@
             </a:lvl1pPr>
           </a:lstStyle>
           <a:p>
-            <a:fld id="{1D8BD707-D9CF-40AE-B4C6-C98DA3205C09}" type="datetimeFigureOut">
+            <a:fld id="{8615986B-65D5-41E6-9BBD-90F1165262F1}" type="datetime1">
               <a:rPr lang="en-US" smtClean="0"/>
-              <a:pPr/>
               <a:t>4/17/2013</a:t>
             </a:fld>
             <a:endParaRPr lang="en-US"/>
@@ -4920,9 +4920,8 @@
             </a:lvl1pPr>
           </a:lstStyle>
           <a:p>
-            <a:fld id="{1D8BD707-D9CF-40AE-B4C6-C98DA3205C09}" type="datetimeFigureOut">
+            <a:fld id="{F14B1C86-6AAA-4392-88B6-89A9324C3601}" type="datetime1">
               <a:rPr lang="en-US" smtClean="0"/>
-              <a:pPr/>
               <a:t>4/17/2013</a:t>
             </a:fld>
             <a:endParaRPr lang="en-US"/>
@@ -5139,6 +5138,7 @@
       </p:par>
     </p:tnLst>
   </p:timing>
+  <p:hf hdr="0" ftr="0" dt="0"/>
   <p:txStyles>
     <p:titleStyle>
       <a:lvl1pPr algn="l" defTabSz="914400" rtl="0" eaLnBrk="1" latinLnBrk="0" hangingPunct="1">
@@ -5732,6 +5732,30 @@
           </a:ln>
         </p:spPr>
       </p:pic>
+      <p:sp>
+        <p:nvSpPr>
+          <p:cNvPr id="5" name="Slide Number Placeholder 4"/>
+          <p:cNvSpPr>
+            <a:spLocks noGrp="1"/>
+          </p:cNvSpPr>
+          <p:nvPr>
+            <p:ph type="sldNum" sz="quarter" idx="4"/>
+          </p:nvPr>
+        </p:nvSpPr>
+        <p:spPr/>
+        <p:txBody>
+          <a:bodyPr/>
+          <a:lstStyle/>
+          <a:p>
+            <a:fld id="{B6F15528-21DE-4FAA-801E-634DDDAF4B2B}" type="slidenum">
+              <a:rPr lang="en-US" smtClean="0"/>
+              <a:pPr/>
+              <a:t>10</a:t>
+            </a:fld>
+            <a:endParaRPr lang="en-US"/>
+          </a:p>
+        </p:txBody>
+      </p:sp>
     </p:spTree>
   </p:cSld>
   <p:clrMapOvr>
@@ -5934,72 +5958,75 @@
             <p:ph idx="1"/>
           </p:nvPr>
         </p:nvSpPr>
-        <p:spPr>
-          <a:xfrm>
-            <a:off x="628650" y="1825625"/>
-            <a:ext cx="7886700" cy="4346575"/>
-          </a:xfrm>
-        </p:spPr>
+        <p:spPr/>
         <p:txBody>
-          <a:bodyPr>
-            <a:noAutofit/>
-          </a:bodyPr>
+          <a:bodyPr/>
           <a:lstStyle/>
           <a:p>
             <a:r>
-              <a:rPr lang="en-US" sz="2450" dirty="0" smtClean="0"/>
-              <a:t>Generalizing to </a:t>
-            </a:r>
-            <a:r>
-              <a:rPr lang="en-US" sz="2450" dirty="0" smtClean="0"/>
-              <a:t>diversify </a:t>
-            </a:r>
-            <a:r>
-              <a:rPr lang="en-US" sz="2450" dirty="0" smtClean="0"/>
-              <a:t>search </a:t>
-            </a:r>
-            <a:r>
-              <a:rPr lang="en-US" sz="2450" dirty="0" smtClean="0"/>
-              <a:t>results</a:t>
-            </a:r>
-          </a:p>
-          <a:p>
-            <a:r>
-              <a:rPr lang="en-US" sz="2450" dirty="0" smtClean="0"/>
-              <a:t>Use complete query when one can.</a:t>
-            </a:r>
-          </a:p>
-          <a:p>
-            <a:r>
-              <a:rPr lang="en-US" sz="2450" dirty="0" smtClean="0"/>
-              <a:t>Absence of result from steps 1 and 2 would mean:</a:t>
+              <a:rPr lang="en-US" dirty="0" smtClean="0"/>
+              <a:t>Jones et. al 2006</a:t>
             </a:r>
           </a:p>
           <a:p>
             <a:pPr lvl="1"/>
             <a:r>
-              <a:rPr lang="en-US" sz="2450" dirty="0" smtClean="0"/>
-              <a:t>Query is unambiguous enough to be identified</a:t>
+              <a:rPr lang="en-US" dirty="0" smtClean="0"/>
+              <a:t>Substituting parts of a query.</a:t>
             </a:r>
           </a:p>
           <a:p>
             <a:pPr lvl="1"/>
             <a:r>
-              <a:rPr lang="en-US" sz="2450" dirty="0" smtClean="0"/>
-              <a:t>Query could not be recognized as a topic with subtopics</a:t>
-            </a:r>
-          </a:p>
-          <a:p>
-            <a:r>
-              <a:rPr lang="en-US" sz="2450" dirty="0" smtClean="0"/>
-              <a:t>Make bigrams of the search query and search for category matches.</a:t>
-            </a:r>
-          </a:p>
-          <a:p>
-            <a:r>
-              <a:rPr lang="en-US" sz="2450" dirty="0" smtClean="0"/>
-              <a:t>Substitute matched bigram by broader categories</a:t>
-            </a:r>
+              <a:rPr lang="en-US" dirty="0" smtClean="0"/>
+              <a:t>Comprehensive analysis </a:t>
+            </a:r>
+            <a:r>
+              <a:rPr lang="en-US" dirty="0" smtClean="0"/>
+              <a:t>– Various relations of reformulation to original query.</a:t>
+            </a:r>
+          </a:p>
+          <a:p>
+            <a:pPr lvl="1"/>
+            <a:r>
+              <a:rPr lang="en-US" dirty="0" smtClean="0"/>
+              <a:t>Precise </a:t>
+            </a:r>
+            <a:r>
+              <a:rPr lang="en-US" dirty="0" smtClean="0"/>
+              <a:t>rewrite – </a:t>
+            </a:r>
+            <a:r>
+              <a:rPr lang="en-US" dirty="0" smtClean="0"/>
+              <a:t>syntax/spelling change</a:t>
+            </a:r>
+          </a:p>
+          <a:p>
+            <a:pPr lvl="1"/>
+            <a:r>
+              <a:rPr lang="en-US" dirty="0" smtClean="0"/>
+              <a:t>Approximate rewrite – Broaden/Specialize</a:t>
+            </a:r>
+            <a:endParaRPr lang="en-US" dirty="0" smtClean="0"/>
+          </a:p>
+          <a:p>
+            <a:pPr lvl="1"/>
+            <a:r>
+              <a:rPr lang="en-US" sz="2300" dirty="0" smtClean="0"/>
+              <a:t>Possible rewrite</a:t>
+            </a:r>
+            <a:r>
+              <a:rPr lang="en-US" sz="2300" dirty="0" smtClean="0"/>
+              <a:t> – Some other association relation</a:t>
+            </a:r>
+          </a:p>
+          <a:p>
+            <a:pPr lvl="1"/>
+            <a:r>
+              <a:rPr lang="en-US" sz="2300" dirty="0" smtClean="0"/>
+              <a:t>Unrelated in semantics (disambiguation)</a:t>
+            </a:r>
+            <a:endParaRPr lang="en-US" sz="2300" dirty="0"/>
           </a:p>
         </p:txBody>
       </p:sp>
@@ -6020,9 +6047,493 @@
           <a:p>
             <a:r>
               <a:rPr lang="en-US" dirty="0" smtClean="0"/>
+              <a:t>Reformulating queries</a:t>
+            </a:r>
+            <a:endParaRPr lang="en-US" dirty="0"/>
+          </a:p>
+        </p:txBody>
+      </p:sp>
+      <p:sp>
+        <p:nvSpPr>
+          <p:cNvPr id="4" name="Slide Number Placeholder 3"/>
+          <p:cNvSpPr>
+            <a:spLocks noGrp="1"/>
+          </p:cNvSpPr>
+          <p:nvPr>
+            <p:ph type="sldNum" sz="quarter" idx="4"/>
+          </p:nvPr>
+        </p:nvSpPr>
+        <p:spPr/>
+        <p:txBody>
+          <a:bodyPr/>
+          <a:lstStyle/>
+          <a:p>
+            <a:fld id="{B6F15528-21DE-4FAA-801E-634DDDAF4B2B}" type="slidenum">
+              <a:rPr lang="en-US" smtClean="0"/>
+              <a:pPr/>
+              <a:t>11</a:t>
+            </a:fld>
+            <a:endParaRPr lang="en-US"/>
+          </a:p>
+        </p:txBody>
+      </p:sp>
+    </p:spTree>
+  </p:cSld>
+  <p:clrMapOvr>
+    <a:masterClrMapping/>
+  </p:clrMapOvr>
+  <mc:AlternateContent xmlns:mc="http://schemas.openxmlformats.org/markup-compatibility/2006">
+    <mc:Choice xmlns:p14="http://schemas.microsoft.com/office/powerpoint/2010/main" xmlns="" Requires="p14">
+      <p:transition spd="med" p14:dur="700">
+        <p:fade/>
+      </p:transition>
+    </mc:Choice>
+    <mc:Fallback>
+      <p:transition spd="med">
+        <p:fade/>
+      </p:transition>
+    </mc:Fallback>
+  </mc:AlternateContent>
+  <p:timing>
+    <p:tnLst>
+      <p:par>
+        <p:cTn id="1" dur="indefinite" restart="never" nodeType="tmRoot">
+          <p:childTnLst>
+            <p:seq concurrent="1" nextAc="seek">
+              <p:cTn id="2" dur="indefinite" nodeType="mainSeq">
+                <p:childTnLst>
+                  <p:par>
+                    <p:cTn id="3" fill="hold">
+                      <p:stCondLst>
+                        <p:cond delay="indefinite"/>
+                      </p:stCondLst>
+                      <p:childTnLst>
+                        <p:par>
+                          <p:cTn id="4" fill="hold">
+                            <p:stCondLst>
+                              <p:cond delay="0"/>
+                            </p:stCondLst>
+                            <p:childTnLst>
+                              <p:par>
+                                <p:cTn id="5" presetID="1" presetClass="entr" presetSubtype="0" fill="hold" nodeType="clickEffect">
+                                  <p:stCondLst>
+                                    <p:cond delay="0"/>
+                                  </p:stCondLst>
+                                  <p:childTnLst>
+                                    <p:set>
+                                      <p:cBhvr>
+                                        <p:cTn id="6" dur="1" fill="hold">
+                                          <p:stCondLst>
+                                            <p:cond delay="0"/>
+                                          </p:stCondLst>
+                                        </p:cTn>
+                                        <p:tgtEl>
+                                          <p:spTgt spid="2">
+                                            <p:txEl>
+                                              <p:pRg st="1" end="1"/>
+                                            </p:txEl>
+                                          </p:spTgt>
+                                        </p:tgtEl>
+                                        <p:attrNameLst>
+                                          <p:attrName>style.visibility</p:attrName>
+                                        </p:attrNameLst>
+                                      </p:cBhvr>
+                                      <p:to>
+                                        <p:strVal val="visible"/>
+                                      </p:to>
+                                    </p:set>
+                                  </p:childTnLst>
+                                </p:cTn>
+                              </p:par>
+                            </p:childTnLst>
+                          </p:cTn>
+                        </p:par>
+                      </p:childTnLst>
+                    </p:cTn>
+                  </p:par>
+                  <p:par>
+                    <p:cTn id="7" fill="hold">
+                      <p:stCondLst>
+                        <p:cond delay="indefinite"/>
+                      </p:stCondLst>
+                      <p:childTnLst>
+                        <p:par>
+                          <p:cTn id="8" fill="hold">
+                            <p:stCondLst>
+                              <p:cond delay="0"/>
+                            </p:stCondLst>
+                            <p:childTnLst>
+                              <p:par>
+                                <p:cTn id="9" presetID="1" presetClass="entr" presetSubtype="0" fill="hold" nodeType="clickEffect">
+                                  <p:stCondLst>
+                                    <p:cond delay="0"/>
+                                  </p:stCondLst>
+                                  <p:childTnLst>
+                                    <p:set>
+                                      <p:cBhvr>
+                                        <p:cTn id="10" dur="1" fill="hold">
+                                          <p:stCondLst>
+                                            <p:cond delay="0"/>
+                                          </p:stCondLst>
+                                        </p:cTn>
+                                        <p:tgtEl>
+                                          <p:spTgt spid="2">
+                                            <p:txEl>
+                                              <p:pRg st="2" end="2"/>
+                                            </p:txEl>
+                                          </p:spTgt>
+                                        </p:tgtEl>
+                                        <p:attrNameLst>
+                                          <p:attrName>style.visibility</p:attrName>
+                                        </p:attrNameLst>
+                                      </p:cBhvr>
+                                      <p:to>
+                                        <p:strVal val="visible"/>
+                                      </p:to>
+                                    </p:set>
+                                  </p:childTnLst>
+                                </p:cTn>
+                              </p:par>
+                            </p:childTnLst>
+                          </p:cTn>
+                        </p:par>
+                      </p:childTnLst>
+                    </p:cTn>
+                  </p:par>
+                  <p:par>
+                    <p:cTn id="11" fill="hold">
+                      <p:stCondLst>
+                        <p:cond delay="indefinite"/>
+                      </p:stCondLst>
+                      <p:childTnLst>
+                        <p:par>
+                          <p:cTn id="12" fill="hold">
+                            <p:stCondLst>
+                              <p:cond delay="0"/>
+                            </p:stCondLst>
+                            <p:childTnLst>
+                              <p:par>
+                                <p:cTn id="13" presetID="1" presetClass="entr" presetSubtype="0" fill="hold" nodeType="clickEffect">
+                                  <p:stCondLst>
+                                    <p:cond delay="0"/>
+                                  </p:stCondLst>
+                                  <p:childTnLst>
+                                    <p:set>
+                                      <p:cBhvr>
+                                        <p:cTn id="14" dur="1" fill="hold">
+                                          <p:stCondLst>
+                                            <p:cond delay="0"/>
+                                          </p:stCondLst>
+                                        </p:cTn>
+                                        <p:tgtEl>
+                                          <p:spTgt spid="2">
+                                            <p:txEl>
+                                              <p:pRg st="3" end="3"/>
+                                            </p:txEl>
+                                          </p:spTgt>
+                                        </p:tgtEl>
+                                        <p:attrNameLst>
+                                          <p:attrName>style.visibility</p:attrName>
+                                        </p:attrNameLst>
+                                      </p:cBhvr>
+                                      <p:to>
+                                        <p:strVal val="visible"/>
+                                      </p:to>
+                                    </p:set>
+                                  </p:childTnLst>
+                                </p:cTn>
+                              </p:par>
+                            </p:childTnLst>
+                          </p:cTn>
+                        </p:par>
+                        <p:par>
+                          <p:cTn id="15" fill="hold">
+                            <p:stCondLst>
+                              <p:cond delay="0"/>
+                            </p:stCondLst>
+                            <p:childTnLst>
+                              <p:par>
+                                <p:cTn id="16" presetID="1" presetClass="entr" presetSubtype="0" fill="hold" nodeType="afterEffect">
+                                  <p:stCondLst>
+                                    <p:cond delay="0"/>
+                                  </p:stCondLst>
+                                  <p:childTnLst>
+                                    <p:set>
+                                      <p:cBhvr>
+                                        <p:cTn id="17" dur="1" fill="hold">
+                                          <p:stCondLst>
+                                            <p:cond delay="0"/>
+                                          </p:stCondLst>
+                                        </p:cTn>
+                                        <p:tgtEl>
+                                          <p:spTgt spid="2">
+                                            <p:txEl>
+                                              <p:pRg st="4" end="4"/>
+                                            </p:txEl>
+                                          </p:spTgt>
+                                        </p:tgtEl>
+                                        <p:attrNameLst>
+                                          <p:attrName>style.visibility</p:attrName>
+                                        </p:attrNameLst>
+                                      </p:cBhvr>
+                                      <p:to>
+                                        <p:strVal val="visible"/>
+                                      </p:to>
+                                    </p:set>
+                                  </p:childTnLst>
+                                </p:cTn>
+                              </p:par>
+                            </p:childTnLst>
+                          </p:cTn>
+                        </p:par>
+                        <p:par>
+                          <p:cTn id="18" fill="hold">
+                            <p:stCondLst>
+                              <p:cond delay="0"/>
+                            </p:stCondLst>
+                            <p:childTnLst>
+                              <p:par>
+                                <p:cTn id="19" presetID="1" presetClass="entr" presetSubtype="0" fill="hold" nodeType="afterEffect">
+                                  <p:stCondLst>
+                                    <p:cond delay="0"/>
+                                  </p:stCondLst>
+                                  <p:childTnLst>
+                                    <p:set>
+                                      <p:cBhvr>
+                                        <p:cTn id="20" dur="1" fill="hold">
+                                          <p:stCondLst>
+                                            <p:cond delay="0"/>
+                                          </p:stCondLst>
+                                        </p:cTn>
+                                        <p:tgtEl>
+                                          <p:spTgt spid="2">
+                                            <p:txEl>
+                                              <p:pRg st="5" end="5"/>
+                                            </p:txEl>
+                                          </p:spTgt>
+                                        </p:tgtEl>
+                                        <p:attrNameLst>
+                                          <p:attrName>style.visibility</p:attrName>
+                                        </p:attrNameLst>
+                                      </p:cBhvr>
+                                      <p:to>
+                                        <p:strVal val="visible"/>
+                                      </p:to>
+                                    </p:set>
+                                  </p:childTnLst>
+                                </p:cTn>
+                              </p:par>
+                            </p:childTnLst>
+                          </p:cTn>
+                        </p:par>
+                        <p:par>
+                          <p:cTn id="21" fill="hold">
+                            <p:stCondLst>
+                              <p:cond delay="0"/>
+                            </p:stCondLst>
+                            <p:childTnLst>
+                              <p:par>
+                                <p:cTn id="22" presetID="1" presetClass="entr" presetSubtype="0" fill="hold" nodeType="afterEffect">
+                                  <p:stCondLst>
+                                    <p:cond delay="0"/>
+                                  </p:stCondLst>
+                                  <p:childTnLst>
+                                    <p:set>
+                                      <p:cBhvr>
+                                        <p:cTn id="23" dur="1" fill="hold">
+                                          <p:stCondLst>
+                                            <p:cond delay="0"/>
+                                          </p:stCondLst>
+                                        </p:cTn>
+                                        <p:tgtEl>
+                                          <p:spTgt spid="2">
+                                            <p:txEl>
+                                              <p:pRg st="6" end="6"/>
+                                            </p:txEl>
+                                          </p:spTgt>
+                                        </p:tgtEl>
+                                        <p:attrNameLst>
+                                          <p:attrName>style.visibility</p:attrName>
+                                        </p:attrNameLst>
+                                      </p:cBhvr>
+                                      <p:to>
+                                        <p:strVal val="visible"/>
+                                      </p:to>
+                                    </p:set>
+                                  </p:childTnLst>
+                                </p:cTn>
+                              </p:par>
+                            </p:childTnLst>
+                          </p:cTn>
+                        </p:par>
+                      </p:childTnLst>
+                    </p:cTn>
+                  </p:par>
+                </p:childTnLst>
+              </p:cTn>
+              <p:prevCondLst>
+                <p:cond evt="onPrev" delay="0">
+                  <p:tgtEl>
+                    <p:sldTgt/>
+                  </p:tgtEl>
+                </p:cond>
+              </p:prevCondLst>
+              <p:nextCondLst>
+                <p:cond evt="onNext" delay="0">
+                  <p:tgtEl>
+                    <p:sldTgt/>
+                  </p:tgtEl>
+                </p:cond>
+              </p:nextCondLst>
+            </p:seq>
+          </p:childTnLst>
+        </p:cTn>
+      </p:par>
+    </p:tnLst>
+  </p:timing>
+</p:sld>
+</file>
+
+<file path=ppt/slides/slide12.xml><?xml version="1.0" encoding="utf-8"?>
+<p:sld xmlns:a="http://schemas.openxmlformats.org/drawingml/2006/main" xmlns:r="http://schemas.openxmlformats.org/officeDocument/2006/relationships" xmlns:p="http://schemas.openxmlformats.org/presentationml/2006/main">
+  <p:cSld>
+    <p:spTree>
+      <p:nvGrpSpPr>
+        <p:cNvPr id="1" name=""/>
+        <p:cNvGrpSpPr/>
+        <p:nvPr/>
+      </p:nvGrpSpPr>
+      <p:grpSpPr>
+        <a:xfrm>
+          <a:off x="0" y="0"/>
+          <a:ext cx="0" cy="0"/>
+          <a:chOff x="0" y="0"/>
+          <a:chExt cx="0" cy="0"/>
+        </a:xfrm>
+      </p:grpSpPr>
+      <p:sp>
+        <p:nvSpPr>
+          <p:cNvPr id="2" name="Content Placeholder 1"/>
+          <p:cNvSpPr>
+            <a:spLocks noGrp="1"/>
+          </p:cNvSpPr>
+          <p:nvPr>
+            <p:ph idx="1"/>
+          </p:nvPr>
+        </p:nvSpPr>
+        <p:spPr>
+          <a:xfrm>
+            <a:off x="628650" y="1825625"/>
+            <a:ext cx="7886700" cy="4346575"/>
+          </a:xfrm>
+        </p:spPr>
+        <p:txBody>
+          <a:bodyPr>
+            <a:noAutofit/>
+          </a:bodyPr>
+          <a:lstStyle/>
+          <a:p>
+            <a:r>
+              <a:rPr lang="en-US" sz="2450" dirty="0" smtClean="0"/>
+              <a:t>Generalizing to </a:t>
+            </a:r>
+            <a:r>
+              <a:rPr lang="en-US" sz="2450" dirty="0" smtClean="0"/>
+              <a:t>diversify </a:t>
+            </a:r>
+            <a:r>
+              <a:rPr lang="en-US" sz="2450" dirty="0" smtClean="0"/>
+              <a:t>search </a:t>
+            </a:r>
+            <a:r>
+              <a:rPr lang="en-US" sz="2450" dirty="0" smtClean="0"/>
+              <a:t>results</a:t>
+            </a:r>
+          </a:p>
+          <a:p>
+            <a:r>
+              <a:rPr lang="en-US" sz="2450" dirty="0" smtClean="0"/>
+              <a:t>Use complete query when one can.</a:t>
+            </a:r>
+          </a:p>
+          <a:p>
+            <a:r>
+              <a:rPr lang="en-US" sz="2450" dirty="0" smtClean="0"/>
+              <a:t>Absence of result from steps 1 and 2 would mean:</a:t>
+            </a:r>
+          </a:p>
+          <a:p>
+            <a:pPr lvl="1"/>
+            <a:r>
+              <a:rPr lang="en-US" sz="2450" dirty="0" smtClean="0"/>
+              <a:t>Query is unambiguous enough to be identified</a:t>
+            </a:r>
+          </a:p>
+          <a:p>
+            <a:pPr lvl="1"/>
+            <a:r>
+              <a:rPr lang="en-US" sz="2450" dirty="0" smtClean="0"/>
+              <a:t>Query could not be recognized as a topic with subtopics</a:t>
+            </a:r>
+          </a:p>
+          <a:p>
+            <a:r>
+              <a:rPr lang="en-US" sz="2450" dirty="0" smtClean="0"/>
+              <a:t>Make bigrams of the search query and search for category matches.</a:t>
+            </a:r>
+          </a:p>
+          <a:p>
+            <a:r>
+              <a:rPr lang="en-US" sz="2450" dirty="0" smtClean="0"/>
+              <a:t>Substitute matched bigram by broader categories</a:t>
+            </a:r>
+          </a:p>
+        </p:txBody>
+      </p:sp>
+      <p:sp>
+        <p:nvSpPr>
+          <p:cNvPr id="3" name="Title 2"/>
+          <p:cNvSpPr>
+            <a:spLocks noGrp="1"/>
+          </p:cNvSpPr>
+          <p:nvPr>
+            <p:ph type="title"/>
+          </p:nvPr>
+        </p:nvSpPr>
+        <p:spPr/>
+        <p:txBody>
+          <a:bodyPr/>
+          <a:lstStyle/>
+          <a:p>
+            <a:r>
+              <a:rPr lang="en-US" dirty="0" smtClean="0"/>
               <a:t>Step 3</a:t>
             </a:r>
             <a:endParaRPr lang="en-US" dirty="0"/>
+          </a:p>
+        </p:txBody>
+      </p:sp>
+      <p:sp>
+        <p:nvSpPr>
+          <p:cNvPr id="4" name="Slide Number Placeholder 3"/>
+          <p:cNvSpPr>
+            <a:spLocks noGrp="1"/>
+          </p:cNvSpPr>
+          <p:nvPr>
+            <p:ph type="sldNum" sz="quarter" idx="4"/>
+          </p:nvPr>
+        </p:nvSpPr>
+        <p:spPr/>
+        <p:txBody>
+          <a:bodyPr/>
+          <a:lstStyle/>
+          <a:p>
+            <a:fld id="{B6F15528-21DE-4FAA-801E-634DDDAF4B2B}" type="slidenum">
+              <a:rPr lang="en-US" smtClean="0"/>
+              <a:pPr/>
+              <a:t>12</a:t>
+            </a:fld>
+            <a:endParaRPr lang="en-US"/>
           </a:p>
         </p:txBody>
       </p:sp>
@@ -6383,7 +6894,7 @@
 </p:sld>
 </file>
 
-<file path=ppt/slides/slide12.xml><?xml version="1.0" encoding="utf-8"?>
+<file path=ppt/slides/slide13.xml><?xml version="1.0" encoding="utf-8"?>
 <p:sld xmlns:a="http://schemas.openxmlformats.org/drawingml/2006/main" xmlns:r="http://schemas.openxmlformats.org/officeDocument/2006/relationships" xmlns:p="http://schemas.openxmlformats.org/presentationml/2006/main">
   <p:cSld>
     <p:spTree>
@@ -6423,7 +6934,39 @@
             </a:r>
             <a:r>
               <a:rPr lang="en-US" sz="2600" dirty="0" smtClean="0"/>
-              <a:t>s which might not be named entities.</a:t>
+              <a:t>s.</a:t>
+            </a:r>
+          </a:p>
+          <a:p>
+            <a:r>
+              <a:rPr lang="en-US" sz="2600" dirty="0" smtClean="0"/>
+              <a:t>Categories might not be named entities.</a:t>
+            </a:r>
+          </a:p>
+          <a:p>
+            <a:r>
+              <a:rPr lang="en-US" sz="2600" dirty="0" smtClean="0"/>
+              <a:t>All named entities are not categories.</a:t>
+            </a:r>
+          </a:p>
+          <a:p>
+            <a:r>
+              <a:rPr lang="en-US" sz="2600" dirty="0" smtClean="0"/>
+              <a:t>So, next we try to detect NE in queries.</a:t>
+            </a:r>
+          </a:p>
+          <a:p>
+            <a:r>
+              <a:rPr lang="en-US" sz="2600" dirty="0" err="1" smtClean="0"/>
+              <a:t>Dbpedia</a:t>
+            </a:r>
+            <a:r>
+              <a:rPr lang="en-US" sz="2600" dirty="0" smtClean="0"/>
+              <a:t> lookup </a:t>
+            </a:r>
+            <a:r>
+              <a:rPr lang="en-US" sz="2600" dirty="0" smtClean="0"/>
+              <a:t>service</a:t>
             </a:r>
             <a:endParaRPr lang="en-US" sz="2600" dirty="0" smtClean="0"/>
           </a:p>
@@ -6477,6 +7020,30 @@
               <a:t>4</a:t>
             </a:r>
             <a:endParaRPr lang="en-US" dirty="0"/>
+          </a:p>
+        </p:txBody>
+      </p:sp>
+      <p:sp>
+        <p:nvSpPr>
+          <p:cNvPr id="4" name="Slide Number Placeholder 3"/>
+          <p:cNvSpPr>
+            <a:spLocks noGrp="1"/>
+          </p:cNvSpPr>
+          <p:nvPr>
+            <p:ph type="sldNum" sz="quarter" idx="4"/>
+          </p:nvPr>
+        </p:nvSpPr>
+        <p:spPr/>
+        <p:txBody>
+          <a:bodyPr/>
+          <a:lstStyle/>
+          <a:p>
+            <a:fld id="{B6F15528-21DE-4FAA-801E-634DDDAF4B2B}" type="slidenum">
+              <a:rPr lang="en-US" smtClean="0"/>
+              <a:pPr/>
+              <a:t>13</a:t>
+            </a:fld>
+            <a:endParaRPr lang="en-US"/>
           </a:p>
         </p:txBody>
       </p:sp>
@@ -6652,6 +7219,202 @@
                       </p:childTnLst>
                     </p:cTn>
                   </p:par>
+                  <p:par>
+                    <p:cTn id="15" fill="hold">
+                      <p:stCondLst>
+                        <p:cond delay="indefinite"/>
+                      </p:stCondLst>
+                      <p:childTnLst>
+                        <p:par>
+                          <p:cTn id="16" fill="hold">
+                            <p:stCondLst>
+                              <p:cond delay="0"/>
+                            </p:stCondLst>
+                            <p:childTnLst>
+                              <p:par>
+                                <p:cTn id="17" presetID="1" presetClass="entr" presetSubtype="0" fill="hold" nodeType="clickEffect">
+                                  <p:stCondLst>
+                                    <p:cond delay="0"/>
+                                  </p:stCondLst>
+                                  <p:childTnLst>
+                                    <p:set>
+                                      <p:cBhvr>
+                                        <p:cTn id="18" dur="1" fill="hold">
+                                          <p:stCondLst>
+                                            <p:cond delay="0"/>
+                                          </p:stCondLst>
+                                        </p:cTn>
+                                        <p:tgtEl>
+                                          <p:spTgt spid="2">
+                                            <p:txEl>
+                                              <p:pRg st="3" end="3"/>
+                                            </p:txEl>
+                                          </p:spTgt>
+                                        </p:tgtEl>
+                                        <p:attrNameLst>
+                                          <p:attrName>style.visibility</p:attrName>
+                                        </p:attrNameLst>
+                                      </p:cBhvr>
+                                      <p:to>
+                                        <p:strVal val="visible"/>
+                                      </p:to>
+                                    </p:set>
+                                  </p:childTnLst>
+                                </p:cTn>
+                              </p:par>
+                            </p:childTnLst>
+                          </p:cTn>
+                        </p:par>
+                      </p:childTnLst>
+                    </p:cTn>
+                  </p:par>
+                  <p:par>
+                    <p:cTn id="19" fill="hold">
+                      <p:stCondLst>
+                        <p:cond delay="indefinite"/>
+                      </p:stCondLst>
+                      <p:childTnLst>
+                        <p:par>
+                          <p:cTn id="20" fill="hold">
+                            <p:stCondLst>
+                              <p:cond delay="0"/>
+                            </p:stCondLst>
+                            <p:childTnLst>
+                              <p:par>
+                                <p:cTn id="21" presetID="1" presetClass="entr" presetSubtype="0" fill="hold" nodeType="clickEffect">
+                                  <p:stCondLst>
+                                    <p:cond delay="0"/>
+                                  </p:stCondLst>
+                                  <p:childTnLst>
+                                    <p:set>
+                                      <p:cBhvr>
+                                        <p:cTn id="22" dur="1" fill="hold">
+                                          <p:stCondLst>
+                                            <p:cond delay="0"/>
+                                          </p:stCondLst>
+                                        </p:cTn>
+                                        <p:tgtEl>
+                                          <p:spTgt spid="2">
+                                            <p:txEl>
+                                              <p:pRg st="4" end="4"/>
+                                            </p:txEl>
+                                          </p:spTgt>
+                                        </p:tgtEl>
+                                        <p:attrNameLst>
+                                          <p:attrName>style.visibility</p:attrName>
+                                        </p:attrNameLst>
+                                      </p:cBhvr>
+                                      <p:to>
+                                        <p:strVal val="visible"/>
+                                      </p:to>
+                                    </p:set>
+                                  </p:childTnLst>
+                                </p:cTn>
+                              </p:par>
+                            </p:childTnLst>
+                          </p:cTn>
+                        </p:par>
+                      </p:childTnLst>
+                    </p:cTn>
+                  </p:par>
+                  <p:par>
+                    <p:cTn id="23" fill="hold">
+                      <p:stCondLst>
+                        <p:cond delay="indefinite"/>
+                      </p:stCondLst>
+                      <p:childTnLst>
+                        <p:par>
+                          <p:cTn id="24" fill="hold">
+                            <p:stCondLst>
+                              <p:cond delay="0"/>
+                            </p:stCondLst>
+                            <p:childTnLst>
+                              <p:par>
+                                <p:cTn id="25" presetID="1" presetClass="entr" presetSubtype="0" fill="hold" nodeType="clickEffect">
+                                  <p:stCondLst>
+                                    <p:cond delay="0"/>
+                                  </p:stCondLst>
+                                  <p:childTnLst>
+                                    <p:set>
+                                      <p:cBhvr>
+                                        <p:cTn id="26" dur="1" fill="hold">
+                                          <p:stCondLst>
+                                            <p:cond delay="0"/>
+                                          </p:stCondLst>
+                                        </p:cTn>
+                                        <p:tgtEl>
+                                          <p:spTgt spid="2">
+                                            <p:txEl>
+                                              <p:pRg st="5" end="5"/>
+                                            </p:txEl>
+                                          </p:spTgt>
+                                        </p:tgtEl>
+                                        <p:attrNameLst>
+                                          <p:attrName>style.visibility</p:attrName>
+                                        </p:attrNameLst>
+                                      </p:cBhvr>
+                                      <p:to>
+                                        <p:strVal val="visible"/>
+                                      </p:to>
+                                    </p:set>
+                                  </p:childTnLst>
+                                </p:cTn>
+                              </p:par>
+                            </p:childTnLst>
+                          </p:cTn>
+                        </p:par>
+                      </p:childTnLst>
+                    </p:cTn>
+                  </p:par>
+                  <p:par>
+                    <p:cTn id="27" fill="hold">
+                      <p:stCondLst>
+                        <p:cond delay="indefinite"/>
+                      </p:stCondLst>
+                      <p:childTnLst>
+                        <p:par>
+                          <p:cTn id="28" fill="hold">
+                            <p:stCondLst>
+                              <p:cond delay="0"/>
+                            </p:stCondLst>
+                            <p:childTnLst>
+                              <p:par>
+                                <p:cTn id="29" presetID="1" presetClass="entr" presetSubtype="0" fill="hold" nodeType="clickEffect">
+                                  <p:stCondLst>
+                                    <p:cond delay="0"/>
+                                  </p:stCondLst>
+                                  <p:childTnLst>
+                                    <p:set>
+                                      <p:cBhvr>
+                                        <p:cTn id="30" dur="1" fill="hold">
+                                          <p:stCondLst>
+                                            <p:cond delay="0"/>
+                                          </p:stCondLst>
+                                        </p:cTn>
+                                        <p:tgtEl>
+                                          <p:spTgt spid="2">
+                                            <p:txEl>
+                                              <p:pRg st="6" end="6"/>
+                                            </p:txEl>
+                                          </p:spTgt>
+                                        </p:tgtEl>
+                                        <p:attrNameLst>
+                                          <p:attrName>style.visibility</p:attrName>
+                                        </p:attrNameLst>
+                                      </p:cBhvr>
+                                      <p:to>
+                                        <p:strVal val="visible"/>
+                                      </p:to>
+                                    </p:set>
+                                  </p:childTnLst>
+                                </p:cTn>
+                              </p:par>
+                            </p:childTnLst>
+                          </p:cTn>
+                        </p:par>
+                      </p:childTnLst>
+                    </p:cTn>
+                  </p:par>
                 </p:childTnLst>
               </p:cTn>
               <p:prevCondLst>
@@ -6677,7 +7440,7 @@
 </p:sld>
 </file>
 
-<file path=ppt/slides/slide13.xml><?xml version="1.0" encoding="utf-8"?>
+<file path=ppt/slides/slide14.xml><?xml version="1.0" encoding="utf-8"?>
 <p:sld xmlns:a="http://schemas.openxmlformats.org/drawingml/2006/main" xmlns:r="http://schemas.openxmlformats.org/officeDocument/2006/relationships" xmlns:p="http://schemas.openxmlformats.org/presentationml/2006/main">
   <p:cSld>
     <p:spTree>
@@ -6801,6 +7564,30 @@
               <a:t>NERQ</a:t>
             </a:r>
             <a:endParaRPr lang="en-US" dirty="0"/>
+          </a:p>
+        </p:txBody>
+      </p:sp>
+      <p:sp>
+        <p:nvSpPr>
+          <p:cNvPr id="4" name="Slide Number Placeholder 3"/>
+          <p:cNvSpPr>
+            <a:spLocks noGrp="1"/>
+          </p:cNvSpPr>
+          <p:nvPr>
+            <p:ph type="sldNum" sz="quarter" idx="4"/>
+          </p:nvPr>
+        </p:nvSpPr>
+        <p:spPr/>
+        <p:txBody>
+          <a:bodyPr/>
+          <a:lstStyle/>
+          <a:p>
+            <a:fld id="{B6F15528-21DE-4FAA-801E-634DDDAF4B2B}" type="slidenum">
+              <a:rPr lang="en-US" smtClean="0"/>
+              <a:pPr/>
+              <a:t>14</a:t>
+            </a:fld>
+            <a:endParaRPr lang="en-US"/>
           </a:p>
         </p:txBody>
       </p:sp>
@@ -7107,7 +7894,7 @@
 </p:sld>
 </file>
 
-<file path=ppt/slides/slide14.xml><?xml version="1.0" encoding="utf-8"?>
+<file path=ppt/slides/slide15.xml><?xml version="1.0" encoding="utf-8"?>
 <p:sld xmlns:a="http://schemas.openxmlformats.org/drawingml/2006/main" xmlns:r="http://schemas.openxmlformats.org/officeDocument/2006/relationships" xmlns:p="http://schemas.openxmlformats.org/presentationml/2006/main">
   <p:cSld>
     <p:spTree>
@@ -7270,6 +8057,30 @@
               <a:t>NER using crowd sourced data</a:t>
             </a:r>
             <a:endParaRPr lang="en-US" dirty="0"/>
+          </a:p>
+        </p:txBody>
+      </p:sp>
+      <p:sp>
+        <p:nvSpPr>
+          <p:cNvPr id="4" name="Slide Number Placeholder 3"/>
+          <p:cNvSpPr>
+            <a:spLocks noGrp="1"/>
+          </p:cNvSpPr>
+          <p:nvPr>
+            <p:ph type="sldNum" sz="quarter" idx="4"/>
+          </p:nvPr>
+        </p:nvSpPr>
+        <p:spPr/>
+        <p:txBody>
+          <a:bodyPr/>
+          <a:lstStyle/>
+          <a:p>
+            <a:fld id="{B6F15528-21DE-4FAA-801E-634DDDAF4B2B}" type="slidenum">
+              <a:rPr lang="en-US" smtClean="0"/>
+              <a:pPr/>
+              <a:t>15</a:t>
+            </a:fld>
+            <a:endParaRPr lang="en-US"/>
           </a:p>
         </p:txBody>
       </p:sp>
@@ -7643,7 +8454,7 @@
 </p:sld>
 </file>
 
-<file path=ppt/slides/slide15.xml><?xml version="1.0" encoding="utf-8"?>
+<file path=ppt/slides/slide16.xml><?xml version="1.0" encoding="utf-8"?>
 <p:sld xmlns:a="http://schemas.openxmlformats.org/drawingml/2006/main" xmlns:r="http://schemas.openxmlformats.org/officeDocument/2006/relationships" xmlns:p="http://schemas.openxmlformats.org/presentationml/2006/main">
   <p:cSld>
     <p:spTree>
@@ -7841,6 +8652,30 @@
               <a:t>xample</a:t>
             </a:r>
             <a:endParaRPr lang="en-US" dirty="0"/>
+          </a:p>
+        </p:txBody>
+      </p:sp>
+      <p:sp>
+        <p:nvSpPr>
+          <p:cNvPr id="4" name="Slide Number Placeholder 3"/>
+          <p:cNvSpPr>
+            <a:spLocks noGrp="1"/>
+          </p:cNvSpPr>
+          <p:nvPr>
+            <p:ph type="sldNum" sz="quarter" idx="4"/>
+          </p:nvPr>
+        </p:nvSpPr>
+        <p:spPr/>
+        <p:txBody>
+          <a:bodyPr/>
+          <a:lstStyle/>
+          <a:p>
+            <a:fld id="{B6F15528-21DE-4FAA-801E-634DDDAF4B2B}" type="slidenum">
+              <a:rPr lang="en-US" smtClean="0"/>
+              <a:pPr/>
+              <a:t>16</a:t>
+            </a:fld>
+            <a:endParaRPr lang="en-US"/>
           </a:p>
         </p:txBody>
       </p:sp>
@@ -8183,155 +9018,6 @@
 </p:sld>
 </file>
 
-<file path=ppt/slides/slide16.xml><?xml version="1.0" encoding="utf-8"?>
-<p:sld xmlns:a="http://schemas.openxmlformats.org/drawingml/2006/main" xmlns:r="http://schemas.openxmlformats.org/officeDocument/2006/relationships" xmlns:p="http://schemas.openxmlformats.org/presentationml/2006/main">
-  <p:cSld>
-    <p:spTree>
-      <p:nvGrpSpPr>
-        <p:cNvPr id="1" name=""/>
-        <p:cNvGrpSpPr/>
-        <p:nvPr/>
-      </p:nvGrpSpPr>
-      <p:grpSpPr>
-        <a:xfrm>
-          <a:off x="0" y="0"/>
-          <a:ext cx="0" cy="0"/>
-          <a:chOff x="0" y="0"/>
-          <a:chExt cx="0" cy="0"/>
-        </a:xfrm>
-      </p:grpSpPr>
-      <p:sp>
-        <p:nvSpPr>
-          <p:cNvPr id="2" name="Content Placeholder 1"/>
-          <p:cNvSpPr>
-            <a:spLocks noGrp="1"/>
-          </p:cNvSpPr>
-          <p:nvPr>
-            <p:ph idx="1"/>
-          </p:nvPr>
-        </p:nvSpPr>
-        <p:spPr/>
-        <p:txBody>
-          <a:bodyPr/>
-          <a:lstStyle/>
-          <a:p>
-            <a:r>
-              <a:rPr lang="en-US" dirty="0" smtClean="0"/>
-              <a:t>Jones et. al 2006</a:t>
-            </a:r>
-          </a:p>
-          <a:p>
-            <a:pPr lvl="1"/>
-            <a:r>
-              <a:rPr lang="en-US" dirty="0" smtClean="0"/>
-              <a:t>Substituting parts of a query.</a:t>
-            </a:r>
-          </a:p>
-          <a:p>
-            <a:pPr lvl="1"/>
-            <a:r>
-              <a:rPr lang="en-US" dirty="0" smtClean="0"/>
-              <a:t>Comprehensive analysis </a:t>
-            </a:r>
-            <a:r>
-              <a:rPr lang="en-US" dirty="0" smtClean="0"/>
-              <a:t>– Various relations of reformulation to original query.</a:t>
-            </a:r>
-          </a:p>
-          <a:p>
-            <a:pPr lvl="1"/>
-            <a:r>
-              <a:rPr lang="en-US" dirty="0" smtClean="0"/>
-              <a:t>Precise </a:t>
-            </a:r>
-            <a:r>
-              <a:rPr lang="en-US" dirty="0" smtClean="0"/>
-              <a:t>rewrite – </a:t>
-            </a:r>
-            <a:r>
-              <a:rPr lang="en-US" dirty="0" smtClean="0"/>
-              <a:t>syntax/spelling change</a:t>
-            </a:r>
-          </a:p>
-          <a:p>
-            <a:pPr lvl="1"/>
-            <a:r>
-              <a:rPr lang="en-US" dirty="0" smtClean="0"/>
-              <a:t>Approximate rewrite – Broaden/Specialize</a:t>
-            </a:r>
-            <a:endParaRPr lang="en-US" dirty="0" smtClean="0"/>
-          </a:p>
-          <a:p>
-            <a:pPr lvl="1"/>
-            <a:r>
-              <a:rPr lang="en-US" sz="2300" dirty="0" smtClean="0"/>
-              <a:t>Possible rewrite</a:t>
-            </a:r>
-            <a:r>
-              <a:rPr lang="en-US" sz="2300" dirty="0" smtClean="0"/>
-              <a:t> – Some other association relation</a:t>
-            </a:r>
-          </a:p>
-          <a:p>
-            <a:pPr lvl="1"/>
-            <a:r>
-              <a:rPr lang="en-US" sz="2300" dirty="0" smtClean="0"/>
-              <a:t>Unrelated in semantics (disambiguation)</a:t>
-            </a:r>
-            <a:endParaRPr lang="en-US" sz="2300" dirty="0"/>
-          </a:p>
-        </p:txBody>
-      </p:sp>
-      <p:sp>
-        <p:nvSpPr>
-          <p:cNvPr id="3" name="Title 2"/>
-          <p:cNvSpPr>
-            <a:spLocks noGrp="1"/>
-          </p:cNvSpPr>
-          <p:nvPr>
-            <p:ph type="title"/>
-          </p:nvPr>
-        </p:nvSpPr>
-        <p:spPr/>
-        <p:txBody>
-          <a:bodyPr/>
-          <a:lstStyle/>
-          <a:p>
-            <a:r>
-              <a:rPr lang="en-US" dirty="0" smtClean="0"/>
-              <a:t>Reformulating queries</a:t>
-            </a:r>
-            <a:endParaRPr lang="en-US" dirty="0"/>
-          </a:p>
-        </p:txBody>
-      </p:sp>
-    </p:spTree>
-  </p:cSld>
-  <p:clrMapOvr>
-    <a:masterClrMapping/>
-  </p:clrMapOvr>
-  <mc:AlternateContent xmlns:mc="http://schemas.openxmlformats.org/markup-compatibility/2006">
-    <mc:Choice xmlns:p14="http://schemas.microsoft.com/office/powerpoint/2010/main" xmlns="" Requires="p14">
-      <p:transition spd="med" p14:dur="700">
-        <p:fade/>
-      </p:transition>
-    </mc:Choice>
-    <mc:Fallback>
-      <p:transition spd="med">
-        <p:fade/>
-      </p:transition>
-    </mc:Fallback>
-  </mc:AlternateContent>
-  <p:timing>
-    <p:tnLst>
-      <p:par>
-        <p:cTn id="1" dur="indefinite" restart="never" nodeType="tmRoot"/>
-      </p:par>
-    </p:tnLst>
-  </p:timing>
-</p:sld>
-</file>
-
 <file path=ppt/slides/slide17.xml><?xml version="1.0" encoding="utf-8"?>
 <p:sld xmlns:a="http://schemas.openxmlformats.org/drawingml/2006/main" xmlns:r="http://schemas.openxmlformats.org/officeDocument/2006/relationships" xmlns:p="http://schemas.openxmlformats.org/presentationml/2006/main">
   <p:cSld>
@@ -8652,6 +9338,30 @@
           <a:lstStyle/>
           <a:p>
             <a:pPr algn="ctr"/>
+            <a:endParaRPr lang="en-US"/>
+          </a:p>
+        </p:txBody>
+      </p:sp>
+      <p:sp>
+        <p:nvSpPr>
+          <p:cNvPr id="12" name="Slide Number Placeholder 11"/>
+          <p:cNvSpPr>
+            <a:spLocks noGrp="1"/>
+          </p:cNvSpPr>
+          <p:nvPr>
+            <p:ph type="sldNum" sz="quarter" idx="4"/>
+          </p:nvPr>
+        </p:nvSpPr>
+        <p:spPr/>
+        <p:txBody>
+          <a:bodyPr/>
+          <a:lstStyle/>
+          <a:p>
+            <a:fld id="{B6F15528-21DE-4FAA-801E-634DDDAF4B2B}" type="slidenum">
+              <a:rPr lang="en-US" smtClean="0"/>
+              <a:pPr/>
+              <a:t>17</a:t>
+            </a:fld>
             <a:endParaRPr lang="en-US"/>
           </a:p>
         </p:txBody>
@@ -9193,14 +9903,40 @@
         </p:nvSpPr>
         <p:spPr/>
         <p:txBody>
+          <a:bodyPr>
+            <a:normAutofit/>
+          </a:bodyPr>
+          <a:lstStyle/>
+          <a:p>
+            <a:r>
+              <a:rPr lang="en-US" dirty="0" smtClean="0"/>
+              <a:t>Dataset</a:t>
+            </a:r>
+            <a:endParaRPr lang="en-US" dirty="0"/>
+          </a:p>
+        </p:txBody>
+      </p:sp>
+      <p:sp>
+        <p:nvSpPr>
+          <p:cNvPr id="4" name="Slide Number Placeholder 3"/>
+          <p:cNvSpPr>
+            <a:spLocks noGrp="1"/>
+          </p:cNvSpPr>
+          <p:nvPr>
+            <p:ph type="sldNum" sz="quarter" idx="4"/>
+          </p:nvPr>
+        </p:nvSpPr>
+        <p:spPr/>
+        <p:txBody>
           <a:bodyPr/>
           <a:lstStyle/>
           <a:p>
-            <a:r>
-              <a:rPr lang="en-US" dirty="0" smtClean="0"/>
-              <a:t>Evaluation – Dataset</a:t>
-            </a:r>
-            <a:endParaRPr lang="en-US" dirty="0"/>
+            <a:fld id="{B6F15528-21DE-4FAA-801E-634DDDAF4B2B}" type="slidenum">
+              <a:rPr lang="en-US" smtClean="0"/>
+              <a:pPr/>
+              <a:t>18</a:t>
+            </a:fld>
+            <a:endParaRPr lang="en-US"/>
           </a:p>
         </p:txBody>
       </p:sp>
@@ -9260,10 +9996,83 @@
         </p:nvSpPr>
         <p:spPr/>
         <p:txBody>
-          <a:bodyPr/>
+          <a:bodyPr>
+            <a:normAutofit/>
+          </a:bodyPr>
           <a:lstStyle/>
           <a:p>
-            <a:endParaRPr lang="en-US"/>
+            <a:r>
+              <a:rPr lang="en-US" sz="2600" dirty="0" smtClean="0">
+                <a:latin typeface="Arial" pitchFamily="34" charset="0"/>
+                <a:cs typeface="Arial" pitchFamily="34" charset="0"/>
+              </a:rPr>
+              <a:t>Non-capture by earlier steps</a:t>
+            </a:r>
+          </a:p>
+          <a:p>
+            <a:r>
+              <a:rPr lang="en-US" sz="2600" dirty="0" err="1" smtClean="0">
+                <a:latin typeface="Arial" pitchFamily="34" charset="0"/>
+                <a:cs typeface="Arial" pitchFamily="34" charset="0"/>
+              </a:rPr>
+              <a:t>Eg</a:t>
+            </a:r>
+            <a:r>
+              <a:rPr lang="en-US" sz="2600" dirty="0" smtClean="0">
+                <a:latin typeface="Arial" pitchFamily="34" charset="0"/>
+                <a:cs typeface="Arial" pitchFamily="34" charset="0"/>
+              </a:rPr>
+              <a:t>. “Orange County Convention Center”</a:t>
+            </a:r>
+          </a:p>
+          <a:p>
+            <a:pPr lvl="1"/>
+            <a:r>
+              <a:rPr lang="en-US" sz="2600" dirty="0" smtClean="0">
+                <a:latin typeface="Arial" pitchFamily="34" charset="0"/>
+                <a:cs typeface="Arial" pitchFamily="34" charset="0"/>
+              </a:rPr>
+              <a:t>Step 3 substitutes for Orange County</a:t>
+            </a:r>
+          </a:p>
+          <a:p>
+            <a:r>
+              <a:rPr lang="en-US" sz="2600" dirty="0" smtClean="0">
+                <a:latin typeface="Arial" pitchFamily="34" charset="0"/>
+                <a:cs typeface="Arial" pitchFamily="34" charset="0"/>
+              </a:rPr>
+              <a:t>Although, not incorrect when specific information is available, it could be  inappropriate to deviate.</a:t>
+            </a:r>
+          </a:p>
+          <a:p>
+            <a:r>
+              <a:rPr lang="en-US" sz="2600" dirty="0" smtClean="0">
+                <a:latin typeface="Arial" pitchFamily="34" charset="0"/>
+                <a:cs typeface="Arial" pitchFamily="34" charset="0"/>
+              </a:rPr>
+              <a:t>Diversity limited by data sources.</a:t>
+            </a:r>
+          </a:p>
+          <a:p>
+            <a:pPr lvl="1"/>
+            <a:r>
+              <a:rPr lang="en-US" sz="2600" dirty="0" err="1" smtClean="0">
+                <a:latin typeface="Arial" pitchFamily="34" charset="0"/>
+                <a:cs typeface="Arial" pitchFamily="34" charset="0"/>
+              </a:rPr>
+              <a:t>Eg</a:t>
+            </a:r>
+            <a:r>
+              <a:rPr lang="en-US" sz="2600" dirty="0" smtClean="0">
+                <a:latin typeface="Arial" pitchFamily="34" charset="0"/>
+                <a:cs typeface="Arial" pitchFamily="34" charset="0"/>
+              </a:rPr>
+              <a:t>. Acronyms list is not exhaustive in Wikipedia</a:t>
+            </a:r>
+            <a:endParaRPr lang="en-US" sz="2600" dirty="0">
+              <a:latin typeface="Arial" pitchFamily="34" charset="0"/>
+              <a:cs typeface="Arial" pitchFamily="34" charset="0"/>
+            </a:endParaRPr>
           </a:p>
         </p:txBody>
       </p:sp>
@@ -9279,16 +10088,38 @@
         </p:nvSpPr>
         <p:spPr/>
         <p:txBody>
-          <a:bodyPr>
-            <a:normAutofit fontScale="90000"/>
-          </a:bodyPr>
+          <a:bodyPr/>
           <a:lstStyle/>
           <a:p>
             <a:r>
               <a:rPr lang="en-US" dirty="0" smtClean="0"/>
-              <a:t>Evaluation – Some basic Stats</a:t>
+              <a:t>Errors</a:t>
             </a:r>
             <a:endParaRPr lang="en-US" dirty="0"/>
+          </a:p>
+        </p:txBody>
+      </p:sp>
+      <p:sp>
+        <p:nvSpPr>
+          <p:cNvPr id="4" name="Slide Number Placeholder 3"/>
+          <p:cNvSpPr>
+            <a:spLocks noGrp="1"/>
+          </p:cNvSpPr>
+          <p:nvPr>
+            <p:ph type="sldNum" sz="quarter" idx="4"/>
+          </p:nvPr>
+        </p:nvSpPr>
+        <p:spPr/>
+        <p:txBody>
+          <a:bodyPr/>
+          <a:lstStyle/>
+          <a:p>
+            <a:fld id="{B6F15528-21DE-4FAA-801E-634DDDAF4B2B}" type="slidenum">
+              <a:rPr lang="en-US" smtClean="0"/>
+              <a:pPr/>
+              <a:t>19</a:t>
+            </a:fld>
+            <a:endParaRPr lang="en-US"/>
           </a:p>
         </p:txBody>
       </p:sp>
@@ -9312,7 +10143,288 @@
   <p:timing>
     <p:tnLst>
       <p:par>
-        <p:cTn id="1" dur="indefinite" restart="never" nodeType="tmRoot"/>
+        <p:cTn id="1" dur="indefinite" restart="never" nodeType="tmRoot">
+          <p:childTnLst>
+            <p:seq concurrent="1" nextAc="seek">
+              <p:cTn id="2" dur="indefinite" nodeType="mainSeq">
+                <p:childTnLst>
+                  <p:par>
+                    <p:cTn id="3" fill="hold">
+                      <p:stCondLst>
+                        <p:cond delay="indefinite"/>
+                      </p:stCondLst>
+                      <p:childTnLst>
+                        <p:par>
+                          <p:cTn id="4" fill="hold">
+                            <p:stCondLst>
+                              <p:cond delay="0"/>
+                            </p:stCondLst>
+                            <p:childTnLst>
+                              <p:par>
+                                <p:cTn id="5" presetID="1" presetClass="entr" presetSubtype="0" fill="hold" nodeType="clickEffect">
+                                  <p:stCondLst>
+                                    <p:cond delay="0"/>
+                                  </p:stCondLst>
+                                  <p:childTnLst>
+                                    <p:set>
+                                      <p:cBhvr>
+                                        <p:cTn id="6" dur="1" fill="hold">
+                                          <p:stCondLst>
+                                            <p:cond delay="0"/>
+                                          </p:stCondLst>
+                                        </p:cTn>
+                                        <p:tgtEl>
+                                          <p:spTgt spid="2">
+                                            <p:txEl>
+                                              <p:pRg st="0" end="0"/>
+                                            </p:txEl>
+                                          </p:spTgt>
+                                        </p:tgtEl>
+                                        <p:attrNameLst>
+                                          <p:attrName>style.visibility</p:attrName>
+                                        </p:attrNameLst>
+                                      </p:cBhvr>
+                                      <p:to>
+                                        <p:strVal val="visible"/>
+                                      </p:to>
+                                    </p:set>
+                                  </p:childTnLst>
+                                </p:cTn>
+                              </p:par>
+                            </p:childTnLst>
+                          </p:cTn>
+                        </p:par>
+                      </p:childTnLst>
+                    </p:cTn>
+                  </p:par>
+                  <p:par>
+                    <p:cTn id="7" fill="hold">
+                      <p:stCondLst>
+                        <p:cond delay="indefinite"/>
+                      </p:stCondLst>
+                      <p:childTnLst>
+                        <p:par>
+                          <p:cTn id="8" fill="hold">
+                            <p:stCondLst>
+                              <p:cond delay="0"/>
+                            </p:stCondLst>
+                            <p:childTnLst>
+                              <p:par>
+                                <p:cTn id="9" presetID="1" presetClass="entr" presetSubtype="0" fill="hold" nodeType="clickEffect">
+                                  <p:stCondLst>
+                                    <p:cond delay="0"/>
+                                  </p:stCondLst>
+                                  <p:childTnLst>
+                                    <p:set>
+                                      <p:cBhvr>
+                                        <p:cTn id="10" dur="1" fill="hold">
+                                          <p:stCondLst>
+                                            <p:cond delay="0"/>
+                                          </p:stCondLst>
+                                        </p:cTn>
+                                        <p:tgtEl>
+                                          <p:spTgt spid="2">
+                                            <p:txEl>
+                                              <p:pRg st="1" end="1"/>
+                                            </p:txEl>
+                                          </p:spTgt>
+                                        </p:tgtEl>
+                                        <p:attrNameLst>
+                                          <p:attrName>style.visibility</p:attrName>
+                                        </p:attrNameLst>
+                                      </p:cBhvr>
+                                      <p:to>
+                                        <p:strVal val="visible"/>
+                                      </p:to>
+                                    </p:set>
+                                  </p:childTnLst>
+                                </p:cTn>
+                              </p:par>
+                              <p:par>
+                                <p:cTn id="11" presetID="1" presetClass="entr" presetSubtype="0" fill="hold" nodeType="withEffect">
+                                  <p:stCondLst>
+                                    <p:cond delay="0"/>
+                                  </p:stCondLst>
+                                  <p:childTnLst>
+                                    <p:set>
+                                      <p:cBhvr>
+                                        <p:cTn id="12" dur="1" fill="hold">
+                                          <p:stCondLst>
+                                            <p:cond delay="0"/>
+                                          </p:stCondLst>
+                                        </p:cTn>
+                                        <p:tgtEl>
+                                          <p:spTgt spid="2">
+                                            <p:txEl>
+                                              <p:pRg st="2" end="2"/>
+                                            </p:txEl>
+                                          </p:spTgt>
+                                        </p:tgtEl>
+                                        <p:attrNameLst>
+                                          <p:attrName>style.visibility</p:attrName>
+                                        </p:attrNameLst>
+                                      </p:cBhvr>
+                                      <p:to>
+                                        <p:strVal val="visible"/>
+                                      </p:to>
+                                    </p:set>
+                                  </p:childTnLst>
+                                </p:cTn>
+                              </p:par>
+                            </p:childTnLst>
+                          </p:cTn>
+                        </p:par>
+                      </p:childTnLst>
+                    </p:cTn>
+                  </p:par>
+                  <p:par>
+                    <p:cTn id="13" fill="hold">
+                      <p:stCondLst>
+                        <p:cond delay="indefinite"/>
+                      </p:stCondLst>
+                      <p:childTnLst>
+                        <p:par>
+                          <p:cTn id="14" fill="hold">
+                            <p:stCondLst>
+                              <p:cond delay="0"/>
+                            </p:stCondLst>
+                            <p:childTnLst>
+                              <p:par>
+                                <p:cTn id="15" presetID="1" presetClass="entr" presetSubtype="0" fill="hold" nodeType="clickEffect">
+                                  <p:stCondLst>
+                                    <p:cond delay="0"/>
+                                  </p:stCondLst>
+                                  <p:childTnLst>
+                                    <p:set>
+                                      <p:cBhvr>
+                                        <p:cTn id="16" dur="1" fill="hold">
+                                          <p:stCondLst>
+                                            <p:cond delay="0"/>
+                                          </p:stCondLst>
+                                        </p:cTn>
+                                        <p:tgtEl>
+                                          <p:spTgt spid="2">
+                                            <p:txEl>
+                                              <p:pRg st="3" end="3"/>
+                                            </p:txEl>
+                                          </p:spTgt>
+                                        </p:tgtEl>
+                                        <p:attrNameLst>
+                                          <p:attrName>style.visibility</p:attrName>
+                                        </p:attrNameLst>
+                                      </p:cBhvr>
+                                      <p:to>
+                                        <p:strVal val="visible"/>
+                                      </p:to>
+                                    </p:set>
+                                  </p:childTnLst>
+                                </p:cTn>
+                              </p:par>
+                            </p:childTnLst>
+                          </p:cTn>
+                        </p:par>
+                      </p:childTnLst>
+                    </p:cTn>
+                  </p:par>
+                  <p:par>
+                    <p:cTn id="17" fill="hold">
+                      <p:stCondLst>
+                        <p:cond delay="indefinite"/>
+                      </p:stCondLst>
+                      <p:childTnLst>
+                        <p:par>
+                          <p:cTn id="18" fill="hold">
+                            <p:stCondLst>
+                              <p:cond delay="0"/>
+                            </p:stCondLst>
+                            <p:childTnLst>
+                              <p:par>
+                                <p:cTn id="19" presetID="1" presetClass="entr" presetSubtype="0" fill="hold" nodeType="clickEffect">
+                                  <p:stCondLst>
+                                    <p:cond delay="0"/>
+                                  </p:stCondLst>
+                                  <p:childTnLst>
+                                    <p:set>
+                                      <p:cBhvr>
+                                        <p:cTn id="20" dur="1" fill="hold">
+                                          <p:stCondLst>
+                                            <p:cond delay="0"/>
+                                          </p:stCondLst>
+                                        </p:cTn>
+                                        <p:tgtEl>
+                                          <p:spTgt spid="2">
+                                            <p:txEl>
+                                              <p:pRg st="4" end="4"/>
+                                            </p:txEl>
+                                          </p:spTgt>
+                                        </p:tgtEl>
+                                        <p:attrNameLst>
+                                          <p:attrName>style.visibility</p:attrName>
+                                        </p:attrNameLst>
+                                      </p:cBhvr>
+                                      <p:to>
+                                        <p:strVal val="visible"/>
+                                      </p:to>
+                                    </p:set>
+                                  </p:childTnLst>
+                                </p:cTn>
+                              </p:par>
+                              <p:par>
+                                <p:cTn id="21" presetID="1" presetClass="entr" presetSubtype="0" fill="hold" nodeType="withEffect">
+                                  <p:stCondLst>
+                                    <p:cond delay="0"/>
+                                  </p:stCondLst>
+                                  <p:childTnLst>
+                                    <p:set>
+                                      <p:cBhvr>
+                                        <p:cTn id="22" dur="1" fill="hold">
+                                          <p:stCondLst>
+                                            <p:cond delay="0"/>
+                                          </p:stCondLst>
+                                        </p:cTn>
+                                        <p:tgtEl>
+                                          <p:spTgt spid="2">
+                                            <p:txEl>
+                                              <p:pRg st="5" end="5"/>
+                                            </p:txEl>
+                                          </p:spTgt>
+                                        </p:tgtEl>
+                                        <p:attrNameLst>
+                                          <p:attrName>style.visibility</p:attrName>
+                                        </p:attrNameLst>
+                                      </p:cBhvr>
+                                      <p:to>
+                                        <p:strVal val="visible"/>
+                                      </p:to>
+                                    </p:set>
+                                  </p:childTnLst>
+                                </p:cTn>
+                              </p:par>
+                            </p:childTnLst>
+                          </p:cTn>
+                        </p:par>
+                      </p:childTnLst>
+                    </p:cTn>
+                  </p:par>
+                </p:childTnLst>
+              </p:cTn>
+              <p:prevCondLst>
+                <p:cond evt="onPrev" delay="0">
+                  <p:tgtEl>
+                    <p:sldTgt/>
+                  </p:tgtEl>
+                </p:cond>
+              </p:prevCondLst>
+              <p:nextCondLst>
+                <p:cond evt="onNext" delay="0">
+                  <p:tgtEl>
+                    <p:sldTgt/>
+                  </p:tgtEl>
+                </p:cond>
+              </p:nextCondLst>
+            </p:seq>
+          </p:childTnLst>
+        </p:cTn>
       </p:par>
     </p:tnLst>
   </p:timing>
@@ -9424,6 +10536,30 @@
               <a:t>Web Information Retrieval</a:t>
             </a:r>
             <a:endParaRPr lang="en-US" dirty="0"/>
+          </a:p>
+        </p:txBody>
+      </p:sp>
+      <p:sp>
+        <p:nvSpPr>
+          <p:cNvPr id="4" name="Slide Number Placeholder 3"/>
+          <p:cNvSpPr>
+            <a:spLocks noGrp="1"/>
+          </p:cNvSpPr>
+          <p:nvPr>
+            <p:ph type="sldNum" sz="quarter" idx="4"/>
+          </p:nvPr>
+        </p:nvSpPr>
+        <p:spPr/>
+        <p:txBody>
+          <a:bodyPr/>
+          <a:lstStyle/>
+          <a:p>
+            <a:fld id="{B6F15528-21DE-4FAA-801E-634DDDAF4B2B}" type="slidenum">
+              <a:rPr lang="en-US" smtClean="0"/>
+              <a:pPr/>
+              <a:t>2</a:t>
+            </a:fld>
+            <a:endParaRPr lang="en-US"/>
           </a:p>
         </p:txBody>
       </p:sp>
@@ -9849,83 +10985,69 @@
         </p:nvSpPr>
         <p:spPr/>
         <p:txBody>
-          <a:bodyPr>
-            <a:normAutofit/>
-          </a:bodyPr>
+          <a:bodyPr/>
           <a:lstStyle/>
           <a:p>
             <a:r>
-              <a:rPr lang="en-US" sz="2600" dirty="0" smtClean="0">
-                <a:latin typeface="Arial" pitchFamily="34" charset="0"/>
-                <a:cs typeface="Arial" pitchFamily="34" charset="0"/>
-              </a:rPr>
-              <a:t>Non-capture by earlier steps</a:t>
-            </a:r>
-          </a:p>
-          <a:p>
-            <a:r>
-              <a:rPr lang="en-US" sz="2600" dirty="0" err="1" smtClean="0">
-                <a:latin typeface="Arial" pitchFamily="34" charset="0"/>
-                <a:cs typeface="Arial" pitchFamily="34" charset="0"/>
-              </a:rPr>
+              <a:rPr lang="en-US" dirty="0" smtClean="0"/>
+              <a:t>Relation between entities.</a:t>
+            </a:r>
+          </a:p>
+          <a:p>
+            <a:r>
+              <a:rPr lang="en-US" dirty="0" smtClean="0"/>
+              <a:t>One entity is a property of the other.</a:t>
+            </a:r>
+          </a:p>
+          <a:p>
+            <a:pPr lvl="1"/>
+            <a:r>
+              <a:rPr lang="en-US" dirty="0" err="1" smtClean="0"/>
               <a:t>Eg</a:t>
             </a:r>
             <a:r>
-              <a:rPr lang="en-US" sz="2600" dirty="0" smtClean="0">
-                <a:latin typeface="Arial" pitchFamily="34" charset="0"/>
-                <a:cs typeface="Arial" pitchFamily="34" charset="0"/>
-              </a:rPr>
-              <a:t>. “Orange County Convention Center”</a:t>
+              <a:rPr lang="en-US" dirty="0" smtClean="0"/>
+              <a:t>. </a:t>
+            </a:r>
+            <a:r>
+              <a:rPr lang="en-US" b="1" dirty="0" err="1" smtClean="0"/>
+              <a:t>M.Gandhi</a:t>
+            </a:r>
+            <a:r>
+              <a:rPr lang="en-US" dirty="0" smtClean="0"/>
+              <a:t> was born in </a:t>
+            </a:r>
+            <a:r>
+              <a:rPr lang="en-US" b="1" dirty="0" smtClean="0"/>
+              <a:t>India</a:t>
             </a:r>
           </a:p>
           <a:p>
             <a:pPr lvl="1"/>
             <a:r>
-              <a:rPr lang="en-US" sz="2600" dirty="0" smtClean="0">
-                <a:latin typeface="Arial" pitchFamily="34" charset="0"/>
-                <a:cs typeface="Arial" pitchFamily="34" charset="0"/>
-              </a:rPr>
-              <a:t>Step 3 substitutes for Orange County</a:t>
-            </a:r>
-          </a:p>
-          <a:p>
-            <a:r>
-              <a:rPr lang="en-US" sz="2600" dirty="0" smtClean="0">
-                <a:latin typeface="Arial" pitchFamily="34" charset="0"/>
-                <a:cs typeface="Arial" pitchFamily="34" charset="0"/>
-              </a:rPr>
-              <a:t>Although, not incorrect when specific information is available, it could be  inappropriate to deviate.</a:t>
-            </a:r>
-          </a:p>
-          <a:p>
-            <a:r>
-              <a:rPr lang="en-US" sz="2600" dirty="0" smtClean="0">
-                <a:latin typeface="Arial" pitchFamily="34" charset="0"/>
-                <a:cs typeface="Arial" pitchFamily="34" charset="0"/>
-              </a:rPr>
-              <a:t>Diversity limited by data sources.</a:t>
+              <a:rPr lang="en-US" dirty="0" smtClean="0"/>
+              <a:t>Categories associated to one another.</a:t>
             </a:r>
           </a:p>
           <a:p>
             <a:pPr lvl="1"/>
             <a:r>
-              <a:rPr lang="en-US" sz="2600" dirty="0" err="1" smtClean="0">
-                <a:latin typeface="Arial" pitchFamily="34" charset="0"/>
-                <a:cs typeface="Arial" pitchFamily="34" charset="0"/>
-              </a:rPr>
-              <a:t>Eg</a:t>
-            </a:r>
-            <a:r>
-              <a:rPr lang="en-US" sz="2600" dirty="0" smtClean="0">
-                <a:latin typeface="Arial" pitchFamily="34" charset="0"/>
-                <a:cs typeface="Arial" pitchFamily="34" charset="0"/>
-              </a:rPr>
-              <a:t>. Acronyms list is not exhaustive in Wikipedia</a:t>
-            </a:r>
-            <a:endParaRPr lang="en-US" sz="2600" dirty="0">
-              <a:latin typeface="Arial" pitchFamily="34" charset="0"/>
-              <a:cs typeface="Arial" pitchFamily="34" charset="0"/>
-            </a:endParaRPr>
+              <a:rPr lang="en-US" dirty="0" smtClean="0"/>
+              <a:t>Longer paths linking entities may not be useful</a:t>
+            </a:r>
+          </a:p>
+          <a:p>
+            <a:pPr lvl="1">
+              <a:buNone/>
+            </a:pPr>
+            <a:r>
+              <a:rPr lang="en-US" dirty="0" smtClean="0"/>
+              <a:t>	for web search </a:t>
+            </a:r>
+          </a:p>
+          <a:p>
+            <a:pPr lvl="2"/>
+            <a:endParaRPr lang="en-US" dirty="0"/>
           </a:p>
         </p:txBody>
       </p:sp>
@@ -9946,9 +11068,33 @@
           <a:p>
             <a:r>
               <a:rPr lang="en-US" dirty="0" smtClean="0"/>
-              <a:t>Errors</a:t>
+              <a:t>Future work</a:t>
             </a:r>
             <a:endParaRPr lang="en-US" dirty="0"/>
+          </a:p>
+        </p:txBody>
+      </p:sp>
+      <p:sp>
+        <p:nvSpPr>
+          <p:cNvPr id="4" name="Slide Number Placeholder 3"/>
+          <p:cNvSpPr>
+            <a:spLocks noGrp="1"/>
+          </p:cNvSpPr>
+          <p:nvPr>
+            <p:ph type="sldNum" sz="quarter" idx="4"/>
+          </p:nvPr>
+        </p:nvSpPr>
+        <p:spPr/>
+        <p:txBody>
+          <a:bodyPr/>
+          <a:lstStyle/>
+          <a:p>
+            <a:fld id="{B6F15528-21DE-4FAA-801E-634DDDAF4B2B}" type="slidenum">
+              <a:rPr lang="en-US" smtClean="0"/>
+              <a:pPr/>
+              <a:t>20</a:t>
+            </a:fld>
+            <a:endParaRPr lang="en-US"/>
           </a:p>
         </p:txBody>
       </p:sp>
@@ -9972,288 +11118,7 @@
   <p:timing>
     <p:tnLst>
       <p:par>
-        <p:cTn id="1" dur="indefinite" restart="never" nodeType="tmRoot">
-          <p:childTnLst>
-            <p:seq concurrent="1" nextAc="seek">
-              <p:cTn id="2" dur="indefinite" nodeType="mainSeq">
-                <p:childTnLst>
-                  <p:par>
-                    <p:cTn id="3" fill="hold">
-                      <p:stCondLst>
-                        <p:cond delay="indefinite"/>
-                      </p:stCondLst>
-                      <p:childTnLst>
-                        <p:par>
-                          <p:cTn id="4" fill="hold">
-                            <p:stCondLst>
-                              <p:cond delay="0"/>
-                            </p:stCondLst>
-                            <p:childTnLst>
-                              <p:par>
-                                <p:cTn id="5" presetID="1" presetClass="entr" presetSubtype="0" fill="hold" nodeType="clickEffect">
-                                  <p:stCondLst>
-                                    <p:cond delay="0"/>
-                                  </p:stCondLst>
-                                  <p:childTnLst>
-                                    <p:set>
-                                      <p:cBhvr>
-                                        <p:cTn id="6" dur="1" fill="hold">
-                                          <p:stCondLst>
-                                            <p:cond delay="0"/>
-                                          </p:stCondLst>
-                                        </p:cTn>
-                                        <p:tgtEl>
-                                          <p:spTgt spid="2">
-                                            <p:txEl>
-                                              <p:pRg st="0" end="0"/>
-                                            </p:txEl>
-                                          </p:spTgt>
-                                        </p:tgtEl>
-                                        <p:attrNameLst>
-                                          <p:attrName>style.visibility</p:attrName>
-                                        </p:attrNameLst>
-                                      </p:cBhvr>
-                                      <p:to>
-                                        <p:strVal val="visible"/>
-                                      </p:to>
-                                    </p:set>
-                                  </p:childTnLst>
-                                </p:cTn>
-                              </p:par>
-                            </p:childTnLst>
-                          </p:cTn>
-                        </p:par>
-                      </p:childTnLst>
-                    </p:cTn>
-                  </p:par>
-                  <p:par>
-                    <p:cTn id="7" fill="hold">
-                      <p:stCondLst>
-                        <p:cond delay="indefinite"/>
-                      </p:stCondLst>
-                      <p:childTnLst>
-                        <p:par>
-                          <p:cTn id="8" fill="hold">
-                            <p:stCondLst>
-                              <p:cond delay="0"/>
-                            </p:stCondLst>
-                            <p:childTnLst>
-                              <p:par>
-                                <p:cTn id="9" presetID="1" presetClass="entr" presetSubtype="0" fill="hold" nodeType="clickEffect">
-                                  <p:stCondLst>
-                                    <p:cond delay="0"/>
-                                  </p:stCondLst>
-                                  <p:childTnLst>
-                                    <p:set>
-                                      <p:cBhvr>
-                                        <p:cTn id="10" dur="1" fill="hold">
-                                          <p:stCondLst>
-                                            <p:cond delay="0"/>
-                                          </p:stCondLst>
-                                        </p:cTn>
-                                        <p:tgtEl>
-                                          <p:spTgt spid="2">
-                                            <p:txEl>
-                                              <p:pRg st="1" end="1"/>
-                                            </p:txEl>
-                                          </p:spTgt>
-                                        </p:tgtEl>
-                                        <p:attrNameLst>
-                                          <p:attrName>style.visibility</p:attrName>
-                                        </p:attrNameLst>
-                                      </p:cBhvr>
-                                      <p:to>
-                                        <p:strVal val="visible"/>
-                                      </p:to>
-                                    </p:set>
-                                  </p:childTnLst>
-                                </p:cTn>
-                              </p:par>
-                              <p:par>
-                                <p:cTn id="11" presetID="1" presetClass="entr" presetSubtype="0" fill="hold" nodeType="withEffect">
-                                  <p:stCondLst>
-                                    <p:cond delay="0"/>
-                                  </p:stCondLst>
-                                  <p:childTnLst>
-                                    <p:set>
-                                      <p:cBhvr>
-                                        <p:cTn id="12" dur="1" fill="hold">
-                                          <p:stCondLst>
-                                            <p:cond delay="0"/>
-                                          </p:stCondLst>
-                                        </p:cTn>
-                                        <p:tgtEl>
-                                          <p:spTgt spid="2">
-                                            <p:txEl>
-                                              <p:pRg st="2" end="2"/>
-                                            </p:txEl>
-                                          </p:spTgt>
-                                        </p:tgtEl>
-                                        <p:attrNameLst>
-                                          <p:attrName>style.visibility</p:attrName>
-                                        </p:attrNameLst>
-                                      </p:cBhvr>
-                                      <p:to>
-                                        <p:strVal val="visible"/>
-                                      </p:to>
-                                    </p:set>
-                                  </p:childTnLst>
-                                </p:cTn>
-                              </p:par>
-                            </p:childTnLst>
-                          </p:cTn>
-                        </p:par>
-                      </p:childTnLst>
-                    </p:cTn>
-                  </p:par>
-                  <p:par>
-                    <p:cTn id="13" fill="hold">
-                      <p:stCondLst>
-                        <p:cond delay="indefinite"/>
-                      </p:stCondLst>
-                      <p:childTnLst>
-                        <p:par>
-                          <p:cTn id="14" fill="hold">
-                            <p:stCondLst>
-                              <p:cond delay="0"/>
-                            </p:stCondLst>
-                            <p:childTnLst>
-                              <p:par>
-                                <p:cTn id="15" presetID="1" presetClass="entr" presetSubtype="0" fill="hold" nodeType="clickEffect">
-                                  <p:stCondLst>
-                                    <p:cond delay="0"/>
-                                  </p:stCondLst>
-                                  <p:childTnLst>
-                                    <p:set>
-                                      <p:cBhvr>
-                                        <p:cTn id="16" dur="1" fill="hold">
-                                          <p:stCondLst>
-                                            <p:cond delay="0"/>
-                                          </p:stCondLst>
-                                        </p:cTn>
-                                        <p:tgtEl>
-                                          <p:spTgt spid="2">
-                                            <p:txEl>
-                                              <p:pRg st="3" end="3"/>
-                                            </p:txEl>
-                                          </p:spTgt>
-                                        </p:tgtEl>
-                                        <p:attrNameLst>
-                                          <p:attrName>style.visibility</p:attrName>
-                                        </p:attrNameLst>
-                                      </p:cBhvr>
-                                      <p:to>
-                                        <p:strVal val="visible"/>
-                                      </p:to>
-                                    </p:set>
-                                  </p:childTnLst>
-                                </p:cTn>
-                              </p:par>
-                            </p:childTnLst>
-                          </p:cTn>
-                        </p:par>
-                      </p:childTnLst>
-                    </p:cTn>
-                  </p:par>
-                  <p:par>
-                    <p:cTn id="17" fill="hold">
-                      <p:stCondLst>
-                        <p:cond delay="indefinite"/>
-                      </p:stCondLst>
-                      <p:childTnLst>
-                        <p:par>
-                          <p:cTn id="18" fill="hold">
-                            <p:stCondLst>
-                              <p:cond delay="0"/>
-                            </p:stCondLst>
-                            <p:childTnLst>
-                              <p:par>
-                                <p:cTn id="19" presetID="1" presetClass="entr" presetSubtype="0" fill="hold" nodeType="clickEffect">
-                                  <p:stCondLst>
-                                    <p:cond delay="0"/>
-                                  </p:stCondLst>
-                                  <p:childTnLst>
-                                    <p:set>
-                                      <p:cBhvr>
-                                        <p:cTn id="20" dur="1" fill="hold">
-                                          <p:stCondLst>
-                                            <p:cond delay="0"/>
-                                          </p:stCondLst>
-                                        </p:cTn>
-                                        <p:tgtEl>
-                                          <p:spTgt spid="2">
-                                            <p:txEl>
-                                              <p:pRg st="4" end="4"/>
-                                            </p:txEl>
-                                          </p:spTgt>
-                                        </p:tgtEl>
-                                        <p:attrNameLst>
-                                          <p:attrName>style.visibility</p:attrName>
-                                        </p:attrNameLst>
-                                      </p:cBhvr>
-                                      <p:to>
-                                        <p:strVal val="visible"/>
-                                      </p:to>
-                                    </p:set>
-                                  </p:childTnLst>
-                                </p:cTn>
-                              </p:par>
-                              <p:par>
-                                <p:cTn id="21" presetID="1" presetClass="entr" presetSubtype="0" fill="hold" nodeType="withEffect">
-                                  <p:stCondLst>
-                                    <p:cond delay="0"/>
-                                  </p:stCondLst>
-                                  <p:childTnLst>
-                                    <p:set>
-                                      <p:cBhvr>
-                                        <p:cTn id="22" dur="1" fill="hold">
-                                          <p:stCondLst>
-                                            <p:cond delay="0"/>
-                                          </p:stCondLst>
-                                        </p:cTn>
-                                        <p:tgtEl>
-                                          <p:spTgt spid="2">
-                                            <p:txEl>
-                                              <p:pRg st="5" end="5"/>
-                                            </p:txEl>
-                                          </p:spTgt>
-                                        </p:tgtEl>
-                                        <p:attrNameLst>
-                                          <p:attrName>style.visibility</p:attrName>
-                                        </p:attrNameLst>
-                                      </p:cBhvr>
-                                      <p:to>
-                                        <p:strVal val="visible"/>
-                                      </p:to>
-                                    </p:set>
-                                  </p:childTnLst>
-                                </p:cTn>
-                              </p:par>
-                            </p:childTnLst>
-                          </p:cTn>
-                        </p:par>
-                      </p:childTnLst>
-                    </p:cTn>
-                  </p:par>
-                </p:childTnLst>
-              </p:cTn>
-              <p:prevCondLst>
-                <p:cond evt="onPrev" delay="0">
-                  <p:tgtEl>
-                    <p:sldTgt/>
-                  </p:tgtEl>
-                </p:cond>
-              </p:prevCondLst>
-              <p:nextCondLst>
-                <p:cond evt="onNext" delay="0">
-                  <p:tgtEl>
-                    <p:sldTgt/>
-                  </p:tgtEl>
-                </p:cond>
-              </p:nextCondLst>
-            </p:seq>
-          </p:childTnLst>
-        </p:cTn>
+        <p:cTn id="1" dur="indefinite" restart="never" nodeType="tmRoot"/>
       </p:par>
     </p:tnLst>
   </p:timing>
@@ -10378,6 +11243,30 @@
               <a:t>Diversifying search results</a:t>
             </a:r>
             <a:endParaRPr lang="en-US" dirty="0"/>
+          </a:p>
+        </p:txBody>
+      </p:sp>
+      <p:sp>
+        <p:nvSpPr>
+          <p:cNvPr id="4" name="Slide Number Placeholder 3"/>
+          <p:cNvSpPr>
+            <a:spLocks noGrp="1"/>
+          </p:cNvSpPr>
+          <p:nvPr>
+            <p:ph type="sldNum" sz="quarter" idx="4"/>
+          </p:nvPr>
+        </p:nvSpPr>
+        <p:spPr/>
+        <p:txBody>
+          <a:bodyPr/>
+          <a:lstStyle/>
+          <a:p>
+            <a:fld id="{B6F15528-21DE-4FAA-801E-634DDDAF4B2B}" type="slidenum">
+              <a:rPr lang="en-US" smtClean="0"/>
+              <a:pPr/>
+              <a:t>3</a:t>
+            </a:fld>
+            <a:endParaRPr lang="en-US"/>
           </a:p>
         </p:txBody>
       </p:sp>
@@ -10869,6 +11758,30 @@
           </a:ln>
         </p:spPr>
       </p:pic>
+      <p:sp>
+        <p:nvSpPr>
+          <p:cNvPr id="5" name="Slide Number Placeholder 4"/>
+          <p:cNvSpPr>
+            <a:spLocks noGrp="1"/>
+          </p:cNvSpPr>
+          <p:nvPr>
+            <p:ph type="sldNum" sz="quarter" idx="4"/>
+          </p:nvPr>
+        </p:nvSpPr>
+        <p:spPr/>
+        <p:txBody>
+          <a:bodyPr/>
+          <a:lstStyle/>
+          <a:p>
+            <a:fld id="{B6F15528-21DE-4FAA-801E-634DDDAF4B2B}" type="slidenum">
+              <a:rPr lang="en-US" smtClean="0"/>
+              <a:pPr/>
+              <a:t>4</a:t>
+            </a:fld>
+            <a:endParaRPr lang="en-US"/>
+          </a:p>
+        </p:txBody>
+      </p:sp>
     </p:spTree>
   </p:cSld>
   <p:clrMapOvr>
@@ -11285,7 +12198,12 @@
             <p:ph idx="1"/>
           </p:nvPr>
         </p:nvSpPr>
-        <p:spPr/>
+        <p:spPr>
+          <a:xfrm>
+            <a:off x="628650" y="1524000"/>
+            <a:ext cx="7886700" cy="4351338"/>
+          </a:xfrm>
+        </p:spPr>
         <p:txBody>
           <a:bodyPr>
             <a:normAutofit/>
@@ -11439,6 +12357,30 @@
               <a:t>Related work</a:t>
             </a:r>
             <a:endParaRPr lang="en-US" dirty="0"/>
+          </a:p>
+        </p:txBody>
+      </p:sp>
+      <p:sp>
+        <p:nvSpPr>
+          <p:cNvPr id="4" name="Slide Number Placeholder 3"/>
+          <p:cNvSpPr>
+            <a:spLocks noGrp="1"/>
+          </p:cNvSpPr>
+          <p:nvPr>
+            <p:ph type="sldNum" sz="quarter" idx="4"/>
+          </p:nvPr>
+        </p:nvSpPr>
+        <p:spPr/>
+        <p:txBody>
+          <a:bodyPr/>
+          <a:lstStyle/>
+          <a:p>
+            <a:fld id="{B6F15528-21DE-4FAA-801E-634DDDAF4B2B}" type="slidenum">
+              <a:rPr lang="en-US" smtClean="0"/>
+              <a:pPr/>
+              <a:t>5</a:t>
+            </a:fld>
+            <a:endParaRPr lang="en-US"/>
           </a:p>
         </p:txBody>
       </p:sp>
@@ -11964,6 +12906,30 @@
           </a:p>
         </p:txBody>
       </p:sp>
+      <p:sp>
+        <p:nvSpPr>
+          <p:cNvPr id="4" name="Slide Number Placeholder 3"/>
+          <p:cNvSpPr>
+            <a:spLocks noGrp="1"/>
+          </p:cNvSpPr>
+          <p:nvPr>
+            <p:ph type="sldNum" sz="quarter" idx="4"/>
+          </p:nvPr>
+        </p:nvSpPr>
+        <p:spPr/>
+        <p:txBody>
+          <a:bodyPr/>
+          <a:lstStyle/>
+          <a:p>
+            <a:fld id="{B6F15528-21DE-4FAA-801E-634DDDAF4B2B}" type="slidenum">
+              <a:rPr lang="en-US" smtClean="0"/>
+              <a:pPr/>
+              <a:t>6</a:t>
+            </a:fld>
+            <a:endParaRPr lang="en-US"/>
+          </a:p>
+        </p:txBody>
+      </p:sp>
     </p:spTree>
   </p:cSld>
   <p:clrMapOvr>
@@ -12328,7 +13294,7 @@
             <a:pPr lvl="1"/>
             <a:r>
               <a:rPr lang="en-US" dirty="0" smtClean="0"/>
-              <a:t>Machine readable Wikipedia.</a:t>
+              <a:t>Machine readable Wikipedia</a:t>
             </a:r>
           </a:p>
           <a:p>
@@ -12386,6 +13352,30 @@
               <a:t>Solution approach</a:t>
             </a:r>
             <a:endParaRPr lang="en-US" dirty="0"/>
+          </a:p>
+        </p:txBody>
+      </p:sp>
+      <p:sp>
+        <p:nvSpPr>
+          <p:cNvPr id="4" name="Slide Number Placeholder 3"/>
+          <p:cNvSpPr>
+            <a:spLocks noGrp="1"/>
+          </p:cNvSpPr>
+          <p:nvPr>
+            <p:ph type="sldNum" sz="quarter" idx="4"/>
+          </p:nvPr>
+        </p:nvSpPr>
+        <p:spPr/>
+        <p:txBody>
+          <a:bodyPr/>
+          <a:lstStyle/>
+          <a:p>
+            <a:fld id="{B6F15528-21DE-4FAA-801E-634DDDAF4B2B}" type="slidenum">
+              <a:rPr lang="en-US" smtClean="0"/>
+              <a:pPr/>
+              <a:t>7</a:t>
+            </a:fld>
+            <a:endParaRPr lang="en-US"/>
           </a:p>
         </p:txBody>
       </p:sp>
@@ -12990,6 +13980,30 @@
           </a:ln>
         </p:spPr>
       </p:pic>
+      <p:sp>
+        <p:nvSpPr>
+          <p:cNvPr id="5" name="Slide Number Placeholder 4"/>
+          <p:cNvSpPr>
+            <a:spLocks noGrp="1"/>
+          </p:cNvSpPr>
+          <p:nvPr>
+            <p:ph type="sldNum" sz="quarter" idx="4"/>
+          </p:nvPr>
+        </p:nvSpPr>
+        <p:spPr/>
+        <p:txBody>
+          <a:bodyPr/>
+          <a:lstStyle/>
+          <a:p>
+            <a:fld id="{B6F15528-21DE-4FAA-801E-634DDDAF4B2B}" type="slidenum">
+              <a:rPr lang="en-US" smtClean="0"/>
+              <a:pPr/>
+              <a:t>8</a:t>
+            </a:fld>
+            <a:endParaRPr lang="en-US"/>
+          </a:p>
+        </p:txBody>
+      </p:sp>
     </p:spTree>
   </p:cSld>
   <p:clrMapOvr>
@@ -13324,6 +14338,30 @@
           </a:ln>
         </p:spPr>
       </p:pic>
+      <p:sp>
+        <p:nvSpPr>
+          <p:cNvPr id="8" name="Slide Number Placeholder 7"/>
+          <p:cNvSpPr>
+            <a:spLocks noGrp="1"/>
+          </p:cNvSpPr>
+          <p:nvPr>
+            <p:ph type="sldNum" sz="quarter" idx="4"/>
+          </p:nvPr>
+        </p:nvSpPr>
+        <p:spPr/>
+        <p:txBody>
+          <a:bodyPr/>
+          <a:lstStyle/>
+          <a:p>
+            <a:fld id="{B6F15528-21DE-4FAA-801E-634DDDAF4B2B}" type="slidenum">
+              <a:rPr lang="en-US" smtClean="0"/>
+              <a:pPr/>
+              <a:t>9</a:t>
+            </a:fld>
+            <a:endParaRPr lang="en-US"/>
+          </a:p>
+        </p:txBody>
+      </p:sp>
     </p:spTree>
   </p:cSld>
   <p:clrMapOvr>
